--- a/assets/phased_array.pptx
+++ b/assets/phased_array.pptx
@@ -105,6 +105,11 @@
       </a:defRPr>
     </a:lvl9pPr>
   </p:defaultTextStyle>
+  <p:extLst>
+    <p:ext uri="{EFAFB233-063F-42B5-8137-9DF3F51BA10A}">
+      <p15:sldGuideLst xmlns:p15="http://schemas.microsoft.com/office/powerpoint/2012/main"/>
+    </p:ext>
+  </p:extLst>
 </p:presentation>
 </file>
 
@@ -3923,6 +3928,36 @@
           </a:fontRef>
         </p:style>
       </p:cxnSp>
+      <p:pic>
+        <p:nvPicPr>
+          <p:cNvPr id="2" name="图片 1">
+            <a:extLst>
+              <a:ext uri="{FF2B5EF4-FFF2-40B4-BE49-F238E27FC236}">
+                <a16:creationId xmlns:a16="http://schemas.microsoft.com/office/drawing/2014/main" id="{E9717242-F1C9-C24B-B0DE-B3C51F5EB7E1}"/>
+              </a:ext>
+            </a:extLst>
+          </p:cNvPr>
+          <p:cNvPicPr>
+            <a:picLocks noChangeAspect="1"/>
+          </p:cNvPicPr>
+          <p:nvPr/>
+        </p:nvPicPr>
+        <p:blipFill>
+          <a:blip r:embed="rId5"/>
+          <a:stretch>
+            <a:fillRect/>
+          </a:stretch>
+        </p:blipFill>
+        <p:spPr>
+          <a:xfrm>
+            <a:off x="7752527" y="1404385"/>
+            <a:ext cx="1079500" cy="990600"/>
+          </a:xfrm>
+          <a:prstGeom prst="rect">
+            <a:avLst/>
+          </a:prstGeom>
+        </p:spPr>
+      </p:pic>
     </p:spTree>
     <p:extLst>
       <p:ext uri="{BB962C8B-B14F-4D97-AF65-F5344CB8AC3E}">

--- a/assets/phased_array.pptx
+++ b/assets/phased_array.pptx
@@ -7,6 +7,8 @@
   <p:sldIdLst>
     <p:sldId id="257" r:id="rId2"/>
     <p:sldId id="256" r:id="rId3"/>
+    <p:sldId id="258" r:id="rId4"/>
+    <p:sldId id="259" r:id="rId5"/>
   </p:sldIdLst>
   <p:sldSz cx="12192000" cy="6858000"/>
   <p:notesSz cx="6858000" cy="9144000"/>
@@ -260,7 +262,7 @@
           <a:p>
             <a:fld id="{C747E3BC-91D1-BC4D-B412-9727B1907535}" type="datetimeFigureOut">
               <a:rPr kumimoji="1" lang="zh-CN" altLang="en-US" smtClean="0"/>
-              <a:t>2025/12/9</a:t>
+              <a:t>2025/12/10</a:t>
             </a:fld>
             <a:endParaRPr kumimoji="1" lang="zh-CN" altLang="en-US"/>
           </a:p>
@@ -433,7 +435,7 @@
           <a:p>
             <a:fld id="{C747E3BC-91D1-BC4D-B412-9727B1907535}" type="datetimeFigureOut">
               <a:rPr kumimoji="1" lang="zh-CN" altLang="en-US" smtClean="0"/>
-              <a:t>2025/12/9</a:t>
+              <a:t>2025/12/10</a:t>
             </a:fld>
             <a:endParaRPr kumimoji="1" lang="zh-CN" altLang="en-US"/>
           </a:p>
@@ -616,7 +618,7 @@
           <a:p>
             <a:fld id="{C747E3BC-91D1-BC4D-B412-9727B1907535}" type="datetimeFigureOut">
               <a:rPr kumimoji="1" lang="zh-CN" altLang="en-US" smtClean="0"/>
-              <a:t>2025/12/9</a:t>
+              <a:t>2025/12/10</a:t>
             </a:fld>
             <a:endParaRPr kumimoji="1" lang="zh-CN" altLang="en-US"/>
           </a:p>
@@ -789,7 +791,7 @@
           <a:p>
             <a:fld id="{C747E3BC-91D1-BC4D-B412-9727B1907535}" type="datetimeFigureOut">
               <a:rPr kumimoji="1" lang="zh-CN" altLang="en-US" smtClean="0"/>
-              <a:t>2025/12/9</a:t>
+              <a:t>2025/12/10</a:t>
             </a:fld>
             <a:endParaRPr kumimoji="1" lang="zh-CN" altLang="en-US"/>
           </a:p>
@@ -1067,7 +1069,7 @@
           <a:p>
             <a:fld id="{C747E3BC-91D1-BC4D-B412-9727B1907535}" type="datetimeFigureOut">
               <a:rPr kumimoji="1" lang="zh-CN" altLang="en-US" smtClean="0"/>
-              <a:t>2025/12/9</a:t>
+              <a:t>2025/12/10</a:t>
             </a:fld>
             <a:endParaRPr kumimoji="1" lang="zh-CN" altLang="en-US"/>
           </a:p>
@@ -1282,7 +1284,7 @@
           <a:p>
             <a:fld id="{C747E3BC-91D1-BC4D-B412-9727B1907535}" type="datetimeFigureOut">
               <a:rPr kumimoji="1" lang="zh-CN" altLang="en-US" smtClean="0"/>
-              <a:t>2025/12/9</a:t>
+              <a:t>2025/12/10</a:t>
             </a:fld>
             <a:endParaRPr kumimoji="1" lang="zh-CN" altLang="en-US"/>
           </a:p>
@@ -1650,7 +1652,7 @@
           <a:p>
             <a:fld id="{C747E3BC-91D1-BC4D-B412-9727B1907535}" type="datetimeFigureOut">
               <a:rPr kumimoji="1" lang="zh-CN" altLang="en-US" smtClean="0"/>
-              <a:t>2025/12/9</a:t>
+              <a:t>2025/12/10</a:t>
             </a:fld>
             <a:endParaRPr kumimoji="1" lang="zh-CN" altLang="en-US"/>
           </a:p>
@@ -1791,7 +1793,7 @@
           <a:p>
             <a:fld id="{C747E3BC-91D1-BC4D-B412-9727B1907535}" type="datetimeFigureOut">
               <a:rPr kumimoji="1" lang="zh-CN" altLang="en-US" smtClean="0"/>
-              <a:t>2025/12/9</a:t>
+              <a:t>2025/12/10</a:t>
             </a:fld>
             <a:endParaRPr kumimoji="1" lang="zh-CN" altLang="en-US"/>
           </a:p>
@@ -1904,7 +1906,7 @@
           <a:p>
             <a:fld id="{C747E3BC-91D1-BC4D-B412-9727B1907535}" type="datetimeFigureOut">
               <a:rPr kumimoji="1" lang="zh-CN" altLang="en-US" smtClean="0"/>
-              <a:t>2025/12/9</a:t>
+              <a:t>2025/12/10</a:t>
             </a:fld>
             <a:endParaRPr kumimoji="1" lang="zh-CN" altLang="en-US"/>
           </a:p>
@@ -2193,7 +2195,7 @@
           <a:p>
             <a:fld id="{C747E3BC-91D1-BC4D-B412-9727B1907535}" type="datetimeFigureOut">
               <a:rPr kumimoji="1" lang="zh-CN" altLang="en-US" smtClean="0"/>
-              <a:t>2025/12/9</a:t>
+              <a:t>2025/12/10</a:t>
             </a:fld>
             <a:endParaRPr kumimoji="1" lang="zh-CN" altLang="en-US"/>
           </a:p>
@@ -2484,7 +2486,7 @@
           <a:p>
             <a:fld id="{C747E3BC-91D1-BC4D-B412-9727B1907535}" type="datetimeFigureOut">
               <a:rPr kumimoji="1" lang="zh-CN" altLang="en-US" smtClean="0"/>
-              <a:t>2025/12/9</a:t>
+              <a:t>2025/12/10</a:t>
             </a:fld>
             <a:endParaRPr kumimoji="1" lang="zh-CN" altLang="en-US"/>
           </a:p>
@@ -2700,7 +2702,7 @@
           <a:p>
             <a:fld id="{C747E3BC-91D1-BC4D-B412-9727B1907535}" type="datetimeFigureOut">
               <a:rPr kumimoji="1" lang="zh-CN" altLang="en-US" smtClean="0"/>
-              <a:t>2025/12/9</a:t>
+              <a:t>2025/12/10</a:t>
             </a:fld>
             <a:endParaRPr kumimoji="1" lang="zh-CN" altLang="en-US"/>
           </a:p>
@@ -3971,6 +3973,3529 @@
 </p:sld>
 </file>
 
+<file path=ppt/slides/slide3.xml><?xml version="1.0" encoding="utf-8"?>
+<p:sld xmlns:a="http://schemas.openxmlformats.org/drawingml/2006/main" xmlns:r="http://schemas.openxmlformats.org/officeDocument/2006/relationships" xmlns:p="http://schemas.openxmlformats.org/presentationml/2006/main">
+  <p:cSld>
+    <p:spTree>
+      <p:nvGrpSpPr>
+        <p:cNvPr id="1" name=""/>
+        <p:cNvGrpSpPr/>
+        <p:nvPr/>
+      </p:nvGrpSpPr>
+      <p:grpSpPr>
+        <a:xfrm>
+          <a:off x="0" y="0"/>
+          <a:ext cx="0" cy="0"/>
+          <a:chOff x="0" y="0"/>
+          <a:chExt cx="0" cy="0"/>
+        </a:xfrm>
+      </p:grpSpPr>
+      <p:grpSp>
+        <p:nvGrpSpPr>
+          <p:cNvPr id="73" name="组合 72">
+            <a:extLst>
+              <a:ext uri="{FF2B5EF4-FFF2-40B4-BE49-F238E27FC236}">
+                <a16:creationId xmlns:a16="http://schemas.microsoft.com/office/drawing/2014/main" id="{876C3220-9218-C34F-A9FE-01DA6D995E3B}"/>
+              </a:ext>
+            </a:extLst>
+          </p:cNvPr>
+          <p:cNvGrpSpPr/>
+          <p:nvPr/>
+        </p:nvGrpSpPr>
+        <p:grpSpPr>
+          <a:xfrm>
+            <a:off x="3458845" y="574496"/>
+            <a:ext cx="5274310" cy="5597881"/>
+            <a:chOff x="3458845" y="574496"/>
+            <a:chExt cx="5274310" cy="5597881"/>
+          </a:xfrm>
+        </p:grpSpPr>
+        <p:grpSp>
+          <p:nvGrpSpPr>
+            <p:cNvPr id="4" name="组合 3">
+              <a:extLst>
+                <a:ext uri="{FF2B5EF4-FFF2-40B4-BE49-F238E27FC236}">
+                  <a16:creationId xmlns:a16="http://schemas.microsoft.com/office/drawing/2014/main" id="{50C8E161-061E-084E-A14A-FB549A1163E2}"/>
+                </a:ext>
+              </a:extLst>
+            </p:cNvPr>
+            <p:cNvGrpSpPr>
+              <a:grpSpLocks/>
+            </p:cNvGrpSpPr>
+            <p:nvPr/>
+          </p:nvGrpSpPr>
+          <p:grpSpPr bwMode="auto">
+            <a:xfrm>
+              <a:off x="3458845" y="1538287"/>
+              <a:ext cx="5274310" cy="3781425"/>
+              <a:chOff x="0" y="0"/>
+              <a:chExt cx="8306" cy="5955"/>
+            </a:xfrm>
+          </p:grpSpPr>
+          <p:sp>
+            <p:nvSpPr>
+              <p:cNvPr id="5" name="Rectangle 47">
+                <a:extLst>
+                  <a:ext uri="{FF2B5EF4-FFF2-40B4-BE49-F238E27FC236}">
+                    <a16:creationId xmlns:a16="http://schemas.microsoft.com/office/drawing/2014/main" id="{749A0A70-A379-9847-B6A0-28748385F1DD}"/>
+                  </a:ext>
+                </a:extLst>
+              </p:cNvPr>
+              <p:cNvSpPr>
+                <a:spLocks noChangeArrowheads="1"/>
+              </p:cNvSpPr>
+              <p:nvPr/>
+            </p:nvSpPr>
+            <p:spPr bwMode="auto">
+              <a:xfrm>
+                <a:off x="0" y="0"/>
+                <a:ext cx="8306" cy="5955"/>
+              </a:xfrm>
+              <a:prstGeom prst="rect">
+                <a:avLst/>
+              </a:prstGeom>
+              <a:noFill/>
+              <a:ln>
+                <a:noFill/>
+              </a:ln>
+              <a:extLst>
+                <a:ext uri="{909E8E84-426E-40DD-AFC4-6F175D3DCCD1}">
+                  <a14:hiddenFill xmlns:a14="http://schemas.microsoft.com/office/drawing/2010/main">
+                    <a:solidFill>
+                      <a:srgbClr val="FFFFFF"/>
+                    </a:solidFill>
+                  </a14:hiddenFill>
+                </a:ext>
+                <a:ext uri="{91240B29-F687-4F45-9708-019B960494DF}">
+                  <a14:hiddenLine xmlns:a14="http://schemas.microsoft.com/office/drawing/2010/main" w="9525">
+                    <a:solidFill>
+                      <a:srgbClr val="000000"/>
+                    </a:solidFill>
+                    <a:miter lim="800000"/>
+                    <a:headEnd/>
+                    <a:tailEnd/>
+                  </a14:hiddenLine>
+                </a:ext>
+              </a:extLst>
+            </p:spPr>
+            <p:txBody>
+              <a:bodyPr rot="0" vert="horz" wrap="square" lIns="91440" tIns="45720" rIns="91440" bIns="45720" anchor="t" anchorCtr="0" upright="1">
+                <a:noAutofit/>
+              </a:bodyPr>
+              <a:lstStyle/>
+              <a:p>
+                <a:endParaRPr lang="zh-CN" altLang="en-US"/>
+              </a:p>
+            </p:txBody>
+          </p:sp>
+          <p:sp>
+            <p:nvSpPr>
+              <p:cNvPr id="6" name="文本框 64">
+                <a:extLst>
+                  <a:ext uri="{FF2B5EF4-FFF2-40B4-BE49-F238E27FC236}">
+                    <a16:creationId xmlns:a16="http://schemas.microsoft.com/office/drawing/2014/main" id="{85C50B7E-2A38-1947-8A9B-8386D6F97BA1}"/>
+                  </a:ext>
+                </a:extLst>
+              </p:cNvPr>
+              <p:cNvSpPr>
+                <a:spLocks noChangeArrowheads="1"/>
+              </p:cNvSpPr>
+              <p:nvPr/>
+            </p:nvSpPr>
+            <p:spPr bwMode="auto">
+              <a:xfrm>
+                <a:off x="6658" y="4737"/>
+                <a:ext cx="555" cy="495"/>
+              </a:xfrm>
+              <a:prstGeom prst="rect">
+                <a:avLst/>
+              </a:prstGeom>
+              <a:solidFill>
+                <a:srgbClr val="FFFFFF"/>
+              </a:solidFill>
+              <a:ln>
+                <a:noFill/>
+              </a:ln>
+              <a:extLst>
+                <a:ext uri="{91240B29-F687-4F45-9708-019B960494DF}">
+                  <a14:hiddenLine xmlns:a14="http://schemas.microsoft.com/office/drawing/2010/main" w="9525">
+                    <a:solidFill>
+                      <a:srgbClr val="000000"/>
+                    </a:solidFill>
+                    <a:miter lim="800000"/>
+                    <a:headEnd/>
+                    <a:tailEnd/>
+                  </a14:hiddenLine>
+                </a:ext>
+              </a:extLst>
+            </p:spPr>
+            <p:txBody>
+              <a:bodyPr rot="0" vert="horz" wrap="square" lIns="91440" tIns="45720" rIns="91440" bIns="45720" anchor="t" anchorCtr="0" upright="1">
+                <a:noAutofit/>
+              </a:bodyPr>
+              <a:lstStyle/>
+              <a:p>
+                <a:pPr algn="just">
+                  <a:spcAft>
+                    <a:spcPts val="0"/>
+                  </a:spcAft>
+                </a:pPr>
+                <a:r>
+                  <a:rPr lang="en-US" sz="1200">
+                    <a:effectLst/>
+                    <a:latin typeface="宋体" panose="02010600030101010101" pitchFamily="2" charset="-122"/>
+                    <a:ea typeface="宋体" panose="02010600030101010101" pitchFamily="2" charset="-122"/>
+                    <a:cs typeface="Times New Roman" panose="02020603050405020304" pitchFamily="18" charset="0"/>
+                  </a:rPr>
+                  <a:t>4A</a:t>
+                </a:r>
+                <a:endParaRPr lang="zh-CN" sz="1200">
+                  <a:effectLst/>
+                  <a:latin typeface="宋体" panose="02010600030101010101" pitchFamily="2" charset="-122"/>
+                  <a:ea typeface="宋体" panose="02010600030101010101" pitchFamily="2" charset="-122"/>
+                  <a:cs typeface="宋体" panose="02010600030101010101" pitchFamily="2" charset="-122"/>
+                </a:endParaRPr>
+              </a:p>
+            </p:txBody>
+          </p:sp>
+          <p:sp>
+            <p:nvSpPr>
+              <p:cNvPr id="7" name="文本框 64">
+                <a:extLst>
+                  <a:ext uri="{FF2B5EF4-FFF2-40B4-BE49-F238E27FC236}">
+                    <a16:creationId xmlns:a16="http://schemas.microsoft.com/office/drawing/2014/main" id="{796940D5-FD94-E64E-B760-F8C05E364B72}"/>
+                  </a:ext>
+                </a:extLst>
+              </p:cNvPr>
+              <p:cNvSpPr>
+                <a:spLocks noChangeArrowheads="1"/>
+              </p:cNvSpPr>
+              <p:nvPr/>
+            </p:nvSpPr>
+            <p:spPr bwMode="auto">
+              <a:xfrm>
+                <a:off x="5801" y="4753"/>
+                <a:ext cx="555" cy="495"/>
+              </a:xfrm>
+              <a:prstGeom prst="rect">
+                <a:avLst/>
+              </a:prstGeom>
+              <a:solidFill>
+                <a:srgbClr val="FFFFFF"/>
+              </a:solidFill>
+              <a:ln>
+                <a:noFill/>
+              </a:ln>
+              <a:extLst>
+                <a:ext uri="{91240B29-F687-4F45-9708-019B960494DF}">
+                  <a14:hiddenLine xmlns:a14="http://schemas.microsoft.com/office/drawing/2010/main" w="9525">
+                    <a:solidFill>
+                      <a:srgbClr val="000000"/>
+                    </a:solidFill>
+                    <a:miter lim="800000"/>
+                    <a:headEnd/>
+                    <a:tailEnd/>
+                  </a14:hiddenLine>
+                </a:ext>
+              </a:extLst>
+            </p:spPr>
+            <p:txBody>
+              <a:bodyPr rot="0" vert="horz" wrap="square" lIns="91440" tIns="45720" rIns="91440" bIns="45720" anchor="t" anchorCtr="0" upright="1">
+                <a:noAutofit/>
+              </a:bodyPr>
+              <a:lstStyle/>
+              <a:p>
+                <a:pPr algn="just">
+                  <a:spcAft>
+                    <a:spcPts val="0"/>
+                  </a:spcAft>
+                </a:pPr>
+                <a:r>
+                  <a:rPr lang="en-US" sz="1200">
+                    <a:effectLst/>
+                    <a:latin typeface="宋体" panose="02010600030101010101" pitchFamily="2" charset="-122"/>
+                    <a:ea typeface="宋体" panose="02010600030101010101" pitchFamily="2" charset="-122"/>
+                    <a:cs typeface="Times New Roman" panose="02020603050405020304" pitchFamily="18" charset="0"/>
+                  </a:rPr>
+                  <a:t>52</a:t>
+                </a:r>
+                <a:endParaRPr lang="zh-CN" sz="1200">
+                  <a:effectLst/>
+                  <a:latin typeface="宋体" panose="02010600030101010101" pitchFamily="2" charset="-122"/>
+                  <a:ea typeface="宋体" panose="02010600030101010101" pitchFamily="2" charset="-122"/>
+                  <a:cs typeface="宋体" panose="02010600030101010101" pitchFamily="2" charset="-122"/>
+                </a:endParaRPr>
+              </a:p>
+            </p:txBody>
+          </p:sp>
+          <p:sp>
+            <p:nvSpPr>
+              <p:cNvPr id="8" name="文本框 64">
+                <a:extLst>
+                  <a:ext uri="{FF2B5EF4-FFF2-40B4-BE49-F238E27FC236}">
+                    <a16:creationId xmlns:a16="http://schemas.microsoft.com/office/drawing/2014/main" id="{DC758D7A-F4A6-8642-9577-579A9E0CFCF3}"/>
+                  </a:ext>
+                </a:extLst>
+              </p:cNvPr>
+              <p:cNvSpPr>
+                <a:spLocks noChangeArrowheads="1"/>
+              </p:cNvSpPr>
+              <p:nvPr/>
+            </p:nvSpPr>
+            <p:spPr bwMode="auto">
+              <a:xfrm>
+                <a:off x="4963" y="4753"/>
+                <a:ext cx="555" cy="495"/>
+              </a:xfrm>
+              <a:prstGeom prst="rect">
+                <a:avLst/>
+              </a:prstGeom>
+              <a:solidFill>
+                <a:srgbClr val="FFFFFF"/>
+              </a:solidFill>
+              <a:ln>
+                <a:noFill/>
+              </a:ln>
+              <a:extLst>
+                <a:ext uri="{91240B29-F687-4F45-9708-019B960494DF}">
+                  <a14:hiddenLine xmlns:a14="http://schemas.microsoft.com/office/drawing/2010/main" w="9525">
+                    <a:solidFill>
+                      <a:srgbClr val="000000"/>
+                    </a:solidFill>
+                    <a:miter lim="800000"/>
+                    <a:headEnd/>
+                    <a:tailEnd/>
+                  </a14:hiddenLine>
+                </a:ext>
+              </a:extLst>
+            </p:spPr>
+            <p:txBody>
+              <a:bodyPr rot="0" vert="horz" wrap="square" lIns="91440" tIns="45720" rIns="91440" bIns="45720" anchor="t" anchorCtr="0" upright="1">
+                <a:noAutofit/>
+              </a:bodyPr>
+              <a:lstStyle/>
+              <a:p>
+                <a:pPr algn="just">
+                  <a:spcAft>
+                    <a:spcPts val="0"/>
+                  </a:spcAft>
+                </a:pPr>
+                <a:r>
+                  <a:rPr lang="en-US" sz="1200">
+                    <a:effectLst/>
+                    <a:latin typeface="宋体" panose="02010600030101010101" pitchFamily="2" charset="-122"/>
+                    <a:ea typeface="宋体" panose="02010600030101010101" pitchFamily="2" charset="-122"/>
+                    <a:cs typeface="Times New Roman" panose="02020603050405020304" pitchFamily="18" charset="0"/>
+                  </a:rPr>
+                  <a:t>42</a:t>
+                </a:r>
+                <a:endParaRPr lang="zh-CN" sz="1200">
+                  <a:effectLst/>
+                  <a:latin typeface="宋体" panose="02010600030101010101" pitchFamily="2" charset="-122"/>
+                  <a:ea typeface="宋体" panose="02010600030101010101" pitchFamily="2" charset="-122"/>
+                  <a:cs typeface="宋体" panose="02010600030101010101" pitchFamily="2" charset="-122"/>
+                </a:endParaRPr>
+              </a:p>
+            </p:txBody>
+          </p:sp>
+          <p:sp>
+            <p:nvSpPr>
+              <p:cNvPr id="9" name="文本框 64">
+                <a:extLst>
+                  <a:ext uri="{FF2B5EF4-FFF2-40B4-BE49-F238E27FC236}">
+                    <a16:creationId xmlns:a16="http://schemas.microsoft.com/office/drawing/2014/main" id="{9965847D-13ED-F54A-905F-D77982B100D7}"/>
+                  </a:ext>
+                </a:extLst>
+              </p:cNvPr>
+              <p:cNvSpPr>
+                <a:spLocks noChangeArrowheads="1"/>
+              </p:cNvSpPr>
+              <p:nvPr/>
+            </p:nvSpPr>
+            <p:spPr bwMode="auto">
+              <a:xfrm>
+                <a:off x="6658" y="4018"/>
+                <a:ext cx="555" cy="479"/>
+              </a:xfrm>
+              <a:prstGeom prst="rect">
+                <a:avLst/>
+              </a:prstGeom>
+              <a:solidFill>
+                <a:srgbClr val="FFFFFF"/>
+              </a:solidFill>
+              <a:ln>
+                <a:noFill/>
+              </a:ln>
+              <a:extLst>
+                <a:ext uri="{91240B29-F687-4F45-9708-019B960494DF}">
+                  <a14:hiddenLine xmlns:a14="http://schemas.microsoft.com/office/drawing/2010/main" w="9525">
+                    <a:solidFill>
+                      <a:srgbClr val="000000"/>
+                    </a:solidFill>
+                    <a:miter lim="800000"/>
+                    <a:headEnd/>
+                    <a:tailEnd/>
+                  </a14:hiddenLine>
+                </a:ext>
+              </a:extLst>
+            </p:spPr>
+            <p:txBody>
+              <a:bodyPr rot="0" vert="horz" wrap="square" lIns="91440" tIns="45720" rIns="91440" bIns="45720" anchor="t" anchorCtr="0" upright="1">
+                <a:noAutofit/>
+              </a:bodyPr>
+              <a:lstStyle/>
+              <a:p>
+                <a:pPr algn="just">
+                  <a:spcAft>
+                    <a:spcPts val="0"/>
+                  </a:spcAft>
+                </a:pPr>
+                <a:r>
+                  <a:rPr lang="en-US" sz="1200">
+                    <a:effectLst/>
+                    <a:latin typeface="宋体" panose="02010600030101010101" pitchFamily="2" charset="-122"/>
+                    <a:ea typeface="宋体" panose="02010600030101010101" pitchFamily="2" charset="-122"/>
+                    <a:cs typeface="Times New Roman" panose="02020603050405020304" pitchFamily="18" charset="0"/>
+                  </a:rPr>
+                  <a:t>5A</a:t>
+                </a:r>
+                <a:endParaRPr lang="zh-CN" sz="1200">
+                  <a:effectLst/>
+                  <a:latin typeface="宋体" panose="02010600030101010101" pitchFamily="2" charset="-122"/>
+                  <a:ea typeface="宋体" panose="02010600030101010101" pitchFamily="2" charset="-122"/>
+                  <a:cs typeface="宋体" panose="02010600030101010101" pitchFamily="2" charset="-122"/>
+                </a:endParaRPr>
+              </a:p>
+            </p:txBody>
+          </p:sp>
+          <p:sp>
+            <p:nvSpPr>
+              <p:cNvPr id="10" name="文本框 64">
+                <a:extLst>
+                  <a:ext uri="{FF2B5EF4-FFF2-40B4-BE49-F238E27FC236}">
+                    <a16:creationId xmlns:a16="http://schemas.microsoft.com/office/drawing/2014/main" id="{3CA606F4-7792-AD4C-BB30-E384D232DEE1}"/>
+                  </a:ext>
+                </a:extLst>
+              </p:cNvPr>
+              <p:cNvSpPr>
+                <a:spLocks noChangeArrowheads="1"/>
+              </p:cNvSpPr>
+              <p:nvPr/>
+            </p:nvSpPr>
+            <p:spPr bwMode="auto">
+              <a:xfrm>
+                <a:off x="5801" y="4018"/>
+                <a:ext cx="555" cy="495"/>
+              </a:xfrm>
+              <a:prstGeom prst="rect">
+                <a:avLst/>
+              </a:prstGeom>
+              <a:solidFill>
+                <a:srgbClr val="FFFFFF"/>
+              </a:solidFill>
+              <a:ln>
+                <a:noFill/>
+              </a:ln>
+              <a:extLst>
+                <a:ext uri="{91240B29-F687-4F45-9708-019B960494DF}">
+                  <a14:hiddenLine xmlns:a14="http://schemas.microsoft.com/office/drawing/2010/main" w="9525">
+                    <a:solidFill>
+                      <a:srgbClr val="000000"/>
+                    </a:solidFill>
+                    <a:miter lim="800000"/>
+                    <a:headEnd/>
+                    <a:tailEnd/>
+                  </a14:hiddenLine>
+                </a:ext>
+              </a:extLst>
+            </p:spPr>
+            <p:txBody>
+              <a:bodyPr rot="0" vert="horz" wrap="square" lIns="91440" tIns="45720" rIns="91440" bIns="45720" anchor="t" anchorCtr="0" upright="1">
+                <a:noAutofit/>
+              </a:bodyPr>
+              <a:lstStyle/>
+              <a:p>
+                <a:pPr algn="just">
+                  <a:spcAft>
+                    <a:spcPts val="0"/>
+                  </a:spcAft>
+                </a:pPr>
+                <a:r>
+                  <a:rPr lang="en-US" sz="1200">
+                    <a:effectLst/>
+                    <a:latin typeface="宋体" panose="02010600030101010101" pitchFamily="2" charset="-122"/>
+                    <a:ea typeface="宋体" panose="02010600030101010101" pitchFamily="2" charset="-122"/>
+                    <a:cs typeface="Times New Roman" panose="02020603050405020304" pitchFamily="18" charset="0"/>
+                  </a:rPr>
+                  <a:t>1C</a:t>
+                </a:r>
+                <a:endParaRPr lang="zh-CN" sz="1200">
+                  <a:effectLst/>
+                  <a:latin typeface="宋体" panose="02010600030101010101" pitchFamily="2" charset="-122"/>
+                  <a:ea typeface="宋体" panose="02010600030101010101" pitchFamily="2" charset="-122"/>
+                  <a:cs typeface="宋体" panose="02010600030101010101" pitchFamily="2" charset="-122"/>
+                </a:endParaRPr>
+              </a:p>
+            </p:txBody>
+          </p:sp>
+          <p:sp>
+            <p:nvSpPr>
+              <p:cNvPr id="11" name="文本框 64">
+                <a:extLst>
+                  <a:ext uri="{FF2B5EF4-FFF2-40B4-BE49-F238E27FC236}">
+                    <a16:creationId xmlns:a16="http://schemas.microsoft.com/office/drawing/2014/main" id="{3A696B17-4687-584D-80B6-1A5AFEB9C04F}"/>
+                  </a:ext>
+                </a:extLst>
+              </p:cNvPr>
+              <p:cNvSpPr>
+                <a:spLocks noChangeArrowheads="1"/>
+              </p:cNvSpPr>
+              <p:nvPr/>
+            </p:nvSpPr>
+            <p:spPr bwMode="auto">
+              <a:xfrm>
+                <a:off x="4948" y="4033"/>
+                <a:ext cx="555" cy="495"/>
+              </a:xfrm>
+              <a:prstGeom prst="rect">
+                <a:avLst/>
+              </a:prstGeom>
+              <a:solidFill>
+                <a:srgbClr val="FFFFFF"/>
+              </a:solidFill>
+              <a:ln>
+                <a:noFill/>
+              </a:ln>
+              <a:extLst>
+                <a:ext uri="{91240B29-F687-4F45-9708-019B960494DF}">
+                  <a14:hiddenLine xmlns:a14="http://schemas.microsoft.com/office/drawing/2010/main" w="9525">
+                    <a:solidFill>
+                      <a:srgbClr val="000000"/>
+                    </a:solidFill>
+                    <a:miter lim="800000"/>
+                    <a:headEnd/>
+                    <a:tailEnd/>
+                  </a14:hiddenLine>
+                </a:ext>
+              </a:extLst>
+            </p:spPr>
+            <p:txBody>
+              <a:bodyPr rot="0" vert="horz" wrap="square" lIns="91440" tIns="45720" rIns="91440" bIns="45720" anchor="t" anchorCtr="0" upright="1">
+                <a:noAutofit/>
+              </a:bodyPr>
+              <a:lstStyle/>
+              <a:p>
+                <a:pPr algn="just">
+                  <a:spcAft>
+                    <a:spcPts val="0"/>
+                  </a:spcAft>
+                </a:pPr>
+                <a:r>
+                  <a:rPr lang="en-US" sz="1200">
+                    <a:effectLst/>
+                    <a:latin typeface="宋体" panose="02010600030101010101" pitchFamily="2" charset="-122"/>
+                    <a:ea typeface="宋体" panose="02010600030101010101" pitchFamily="2" charset="-122"/>
+                    <a:cs typeface="Times New Roman" panose="02020603050405020304" pitchFamily="18" charset="0"/>
+                  </a:rPr>
+                  <a:t>08</a:t>
+                </a:r>
+                <a:endParaRPr lang="zh-CN" sz="1200">
+                  <a:effectLst/>
+                  <a:latin typeface="宋体" panose="02010600030101010101" pitchFamily="2" charset="-122"/>
+                  <a:ea typeface="宋体" panose="02010600030101010101" pitchFamily="2" charset="-122"/>
+                  <a:cs typeface="宋体" panose="02010600030101010101" pitchFamily="2" charset="-122"/>
+                </a:endParaRPr>
+              </a:p>
+            </p:txBody>
+          </p:sp>
+          <p:sp>
+            <p:nvSpPr>
+              <p:cNvPr id="12" name="文本框 64">
+                <a:extLst>
+                  <a:ext uri="{FF2B5EF4-FFF2-40B4-BE49-F238E27FC236}">
+                    <a16:creationId xmlns:a16="http://schemas.microsoft.com/office/drawing/2014/main" id="{1917CC6F-6888-E040-9715-318B1D980535}"/>
+                  </a:ext>
+                </a:extLst>
+              </p:cNvPr>
+              <p:cNvSpPr>
+                <a:spLocks noChangeArrowheads="1"/>
+              </p:cNvSpPr>
+              <p:nvPr/>
+            </p:nvSpPr>
+            <p:spPr bwMode="auto">
+              <a:xfrm>
+                <a:off x="6658" y="3300"/>
+                <a:ext cx="555" cy="495"/>
+              </a:xfrm>
+              <a:prstGeom prst="rect">
+                <a:avLst/>
+              </a:prstGeom>
+              <a:solidFill>
+                <a:srgbClr val="FFFFFF"/>
+              </a:solidFill>
+              <a:ln>
+                <a:noFill/>
+              </a:ln>
+              <a:extLst>
+                <a:ext uri="{91240B29-F687-4F45-9708-019B960494DF}">
+                  <a14:hiddenLine xmlns:a14="http://schemas.microsoft.com/office/drawing/2010/main" w="9525">
+                    <a:solidFill>
+                      <a:srgbClr val="000000"/>
+                    </a:solidFill>
+                    <a:miter lim="800000"/>
+                    <a:headEnd/>
+                    <a:tailEnd/>
+                  </a14:hiddenLine>
+                </a:ext>
+              </a:extLst>
+            </p:spPr>
+            <p:txBody>
+              <a:bodyPr rot="0" vert="horz" wrap="square" lIns="91440" tIns="45720" rIns="91440" bIns="45720" anchor="t" anchorCtr="0" upright="1">
+                <a:noAutofit/>
+              </a:bodyPr>
+              <a:lstStyle/>
+              <a:p>
+                <a:pPr algn="just">
+                  <a:spcAft>
+                    <a:spcPts val="0"/>
+                  </a:spcAft>
+                </a:pPr>
+                <a:r>
+                  <a:rPr lang="en-US" sz="1200">
+                    <a:effectLst/>
+                    <a:latin typeface="宋体" panose="02010600030101010101" pitchFamily="2" charset="-122"/>
+                    <a:ea typeface="宋体" panose="02010600030101010101" pitchFamily="2" charset="-122"/>
+                    <a:cs typeface="Times New Roman" panose="02020603050405020304" pitchFamily="18" charset="0"/>
+                  </a:rPr>
+                  <a:t>5E</a:t>
+                </a:r>
+                <a:endParaRPr lang="zh-CN" sz="1200">
+                  <a:effectLst/>
+                  <a:latin typeface="宋体" panose="02010600030101010101" pitchFamily="2" charset="-122"/>
+                  <a:ea typeface="宋体" panose="02010600030101010101" pitchFamily="2" charset="-122"/>
+                  <a:cs typeface="宋体" panose="02010600030101010101" pitchFamily="2" charset="-122"/>
+                </a:endParaRPr>
+              </a:p>
+            </p:txBody>
+          </p:sp>
+          <p:sp>
+            <p:nvSpPr>
+              <p:cNvPr id="13" name="文本框 64">
+                <a:extLst>
+                  <a:ext uri="{FF2B5EF4-FFF2-40B4-BE49-F238E27FC236}">
+                    <a16:creationId xmlns:a16="http://schemas.microsoft.com/office/drawing/2014/main" id="{07E5E8D5-420F-5142-95CD-A29F6E34CC59}"/>
+                  </a:ext>
+                </a:extLst>
+              </p:cNvPr>
+              <p:cNvSpPr>
+                <a:spLocks noChangeArrowheads="1"/>
+              </p:cNvSpPr>
+              <p:nvPr/>
+            </p:nvSpPr>
+            <p:spPr bwMode="auto">
+              <a:xfrm>
+                <a:off x="5801" y="3300"/>
+                <a:ext cx="555" cy="478"/>
+              </a:xfrm>
+              <a:prstGeom prst="rect">
+                <a:avLst/>
+              </a:prstGeom>
+              <a:solidFill>
+                <a:srgbClr val="FFFFFF"/>
+              </a:solidFill>
+              <a:ln>
+                <a:noFill/>
+              </a:ln>
+              <a:extLst>
+                <a:ext uri="{91240B29-F687-4F45-9708-019B960494DF}">
+                  <a14:hiddenLine xmlns:a14="http://schemas.microsoft.com/office/drawing/2010/main" w="9525">
+                    <a:solidFill>
+                      <a:srgbClr val="000000"/>
+                    </a:solidFill>
+                    <a:miter lim="800000"/>
+                    <a:headEnd/>
+                    <a:tailEnd/>
+                  </a14:hiddenLine>
+                </a:ext>
+              </a:extLst>
+            </p:spPr>
+            <p:txBody>
+              <a:bodyPr rot="0" vert="horz" wrap="square" lIns="91440" tIns="45720" rIns="91440" bIns="45720" anchor="t" anchorCtr="0" upright="1">
+                <a:noAutofit/>
+              </a:bodyPr>
+              <a:lstStyle/>
+              <a:p>
+                <a:pPr algn="just">
+                  <a:spcAft>
+                    <a:spcPts val="0"/>
+                  </a:spcAft>
+                </a:pPr>
+                <a:r>
+                  <a:rPr lang="en-US" sz="1200">
+                    <a:effectLst/>
+                    <a:latin typeface="宋体" panose="02010600030101010101" pitchFamily="2" charset="-122"/>
+                    <a:ea typeface="宋体" panose="02010600030101010101" pitchFamily="2" charset="-122"/>
+                    <a:cs typeface="Times New Roman" panose="02020603050405020304" pitchFamily="18" charset="0"/>
+                  </a:rPr>
+                  <a:t>18</a:t>
+                </a:r>
+                <a:endParaRPr lang="zh-CN" sz="1200">
+                  <a:effectLst/>
+                  <a:latin typeface="宋体" panose="02010600030101010101" pitchFamily="2" charset="-122"/>
+                  <a:ea typeface="宋体" panose="02010600030101010101" pitchFamily="2" charset="-122"/>
+                  <a:cs typeface="宋体" panose="02010600030101010101" pitchFamily="2" charset="-122"/>
+                </a:endParaRPr>
+              </a:p>
+            </p:txBody>
+          </p:sp>
+          <p:sp>
+            <p:nvSpPr>
+              <p:cNvPr id="14" name="文本框 64">
+                <a:extLst>
+                  <a:ext uri="{FF2B5EF4-FFF2-40B4-BE49-F238E27FC236}">
+                    <a16:creationId xmlns:a16="http://schemas.microsoft.com/office/drawing/2014/main" id="{A5C65DC9-9F09-2A49-A47B-7DC8C466F08B}"/>
+                  </a:ext>
+                </a:extLst>
+              </p:cNvPr>
+              <p:cNvSpPr>
+                <a:spLocks noChangeArrowheads="1"/>
+              </p:cNvSpPr>
+              <p:nvPr/>
+            </p:nvSpPr>
+            <p:spPr bwMode="auto">
+              <a:xfrm>
+                <a:off x="4948" y="3328"/>
+                <a:ext cx="555" cy="495"/>
+              </a:xfrm>
+              <a:prstGeom prst="rect">
+                <a:avLst/>
+              </a:prstGeom>
+              <a:solidFill>
+                <a:srgbClr val="FFFFFF"/>
+              </a:solidFill>
+              <a:ln>
+                <a:noFill/>
+              </a:ln>
+              <a:extLst>
+                <a:ext uri="{91240B29-F687-4F45-9708-019B960494DF}">
+                  <a14:hiddenLine xmlns:a14="http://schemas.microsoft.com/office/drawing/2010/main" w="9525">
+                    <a:solidFill>
+                      <a:srgbClr val="000000"/>
+                    </a:solidFill>
+                    <a:miter lim="800000"/>
+                    <a:headEnd/>
+                    <a:tailEnd/>
+                  </a14:hiddenLine>
+                </a:ext>
+              </a:extLst>
+            </p:spPr>
+            <p:txBody>
+              <a:bodyPr rot="0" vert="horz" wrap="square" lIns="91440" tIns="45720" rIns="91440" bIns="45720" anchor="t" anchorCtr="0" upright="1">
+                <a:noAutofit/>
+              </a:bodyPr>
+              <a:lstStyle/>
+              <a:p>
+                <a:pPr algn="just">
+                  <a:spcAft>
+                    <a:spcPts val="0"/>
+                  </a:spcAft>
+                </a:pPr>
+                <a:r>
+                  <a:rPr lang="en-US" sz="1200">
+                    <a:effectLst/>
+                    <a:latin typeface="宋体" panose="02010600030101010101" pitchFamily="2" charset="-122"/>
+                    <a:ea typeface="宋体" panose="02010600030101010101" pitchFamily="2" charset="-122"/>
+                    <a:cs typeface="Times New Roman" panose="02020603050405020304" pitchFamily="18" charset="0"/>
+                  </a:rPr>
+                  <a:t>0C</a:t>
+                </a:r>
+                <a:endParaRPr lang="zh-CN" sz="1200">
+                  <a:effectLst/>
+                  <a:latin typeface="宋体" panose="02010600030101010101" pitchFamily="2" charset="-122"/>
+                  <a:ea typeface="宋体" panose="02010600030101010101" pitchFamily="2" charset="-122"/>
+                  <a:cs typeface="宋体" panose="02010600030101010101" pitchFamily="2" charset="-122"/>
+                </a:endParaRPr>
+              </a:p>
+            </p:txBody>
+          </p:sp>
+          <p:sp>
+            <p:nvSpPr>
+              <p:cNvPr id="15" name="文本框 64">
+                <a:extLst>
+                  <a:ext uri="{FF2B5EF4-FFF2-40B4-BE49-F238E27FC236}">
+                    <a16:creationId xmlns:a16="http://schemas.microsoft.com/office/drawing/2014/main" id="{56EE0B9D-5992-6A41-A9FE-348E4DDE6F13}"/>
+                  </a:ext>
+                </a:extLst>
+              </p:cNvPr>
+              <p:cNvSpPr>
+                <a:spLocks noChangeArrowheads="1"/>
+              </p:cNvSpPr>
+              <p:nvPr/>
+            </p:nvSpPr>
+            <p:spPr bwMode="auto">
+              <a:xfrm>
+                <a:off x="6658" y="2608"/>
+                <a:ext cx="555" cy="495"/>
+              </a:xfrm>
+              <a:prstGeom prst="rect">
+                <a:avLst/>
+              </a:prstGeom>
+              <a:solidFill>
+                <a:srgbClr val="FFFFFF"/>
+              </a:solidFill>
+              <a:ln>
+                <a:noFill/>
+              </a:ln>
+              <a:extLst>
+                <a:ext uri="{91240B29-F687-4F45-9708-019B960494DF}">
+                  <a14:hiddenLine xmlns:a14="http://schemas.microsoft.com/office/drawing/2010/main" w="9525">
+                    <a:solidFill>
+                      <a:srgbClr val="000000"/>
+                    </a:solidFill>
+                    <a:miter lim="800000"/>
+                    <a:headEnd/>
+                    <a:tailEnd/>
+                  </a14:hiddenLine>
+                </a:ext>
+              </a:extLst>
+            </p:spPr>
+            <p:txBody>
+              <a:bodyPr rot="0" vert="horz" wrap="square" lIns="91440" tIns="45720" rIns="91440" bIns="45720" anchor="t" anchorCtr="0" upright="1">
+                <a:noAutofit/>
+              </a:bodyPr>
+              <a:lstStyle/>
+              <a:p>
+                <a:pPr algn="just">
+                  <a:spcAft>
+                    <a:spcPts val="0"/>
+                  </a:spcAft>
+                </a:pPr>
+                <a:r>
+                  <a:rPr lang="en-US" sz="1200">
+                    <a:effectLst/>
+                    <a:latin typeface="宋体" panose="02010600030101010101" pitchFamily="2" charset="-122"/>
+                    <a:ea typeface="宋体" panose="02010600030101010101" pitchFamily="2" charset="-122"/>
+                    <a:cs typeface="Times New Roman" panose="02020603050405020304" pitchFamily="18" charset="0"/>
+                  </a:rPr>
+                  <a:t>0D</a:t>
+                </a:r>
+                <a:endParaRPr lang="zh-CN" sz="1200">
+                  <a:effectLst/>
+                  <a:latin typeface="宋体" panose="02010600030101010101" pitchFamily="2" charset="-122"/>
+                  <a:ea typeface="宋体" panose="02010600030101010101" pitchFamily="2" charset="-122"/>
+                  <a:cs typeface="宋体" panose="02010600030101010101" pitchFamily="2" charset="-122"/>
+                </a:endParaRPr>
+              </a:p>
+            </p:txBody>
+          </p:sp>
+          <p:sp>
+            <p:nvSpPr>
+              <p:cNvPr id="16" name="文本框 64">
+                <a:extLst>
+                  <a:ext uri="{FF2B5EF4-FFF2-40B4-BE49-F238E27FC236}">
+                    <a16:creationId xmlns:a16="http://schemas.microsoft.com/office/drawing/2014/main" id="{0128ECD5-4F1D-D24A-8381-44B023E76539}"/>
+                  </a:ext>
+                </a:extLst>
+              </p:cNvPr>
+              <p:cNvSpPr>
+                <a:spLocks noChangeArrowheads="1"/>
+              </p:cNvSpPr>
+              <p:nvPr/>
+            </p:nvSpPr>
+            <p:spPr bwMode="auto">
+              <a:xfrm>
+                <a:off x="5801" y="2608"/>
+                <a:ext cx="555" cy="495"/>
+              </a:xfrm>
+              <a:prstGeom prst="rect">
+                <a:avLst/>
+              </a:prstGeom>
+              <a:solidFill>
+                <a:srgbClr val="FFFFFF"/>
+              </a:solidFill>
+              <a:ln>
+                <a:noFill/>
+              </a:ln>
+              <a:extLst>
+                <a:ext uri="{91240B29-F687-4F45-9708-019B960494DF}">
+                  <a14:hiddenLine xmlns:a14="http://schemas.microsoft.com/office/drawing/2010/main" w="9525">
+                    <a:solidFill>
+                      <a:srgbClr val="000000"/>
+                    </a:solidFill>
+                    <a:miter lim="800000"/>
+                    <a:headEnd/>
+                    <a:tailEnd/>
+                  </a14:hiddenLine>
+                </a:ext>
+              </a:extLst>
+            </p:spPr>
+            <p:txBody>
+              <a:bodyPr rot="0" vert="horz" wrap="square" lIns="91440" tIns="45720" rIns="91440" bIns="45720" anchor="t" anchorCtr="0" upright="1">
+                <a:noAutofit/>
+              </a:bodyPr>
+              <a:lstStyle/>
+              <a:p>
+                <a:pPr algn="just">
+                  <a:spcAft>
+                    <a:spcPts val="0"/>
+                  </a:spcAft>
+                </a:pPr>
+                <a:r>
+                  <a:rPr lang="en-US" sz="1200">
+                    <a:effectLst/>
+                    <a:latin typeface="宋体" panose="02010600030101010101" pitchFamily="2" charset="-122"/>
+                    <a:ea typeface="宋体" panose="02010600030101010101" pitchFamily="2" charset="-122"/>
+                    <a:cs typeface="Times New Roman" panose="02020603050405020304" pitchFamily="18" charset="0"/>
+                  </a:rPr>
+                  <a:t>19</a:t>
+                </a:r>
+                <a:endParaRPr lang="zh-CN" sz="1200">
+                  <a:effectLst/>
+                  <a:latin typeface="宋体" panose="02010600030101010101" pitchFamily="2" charset="-122"/>
+                  <a:ea typeface="宋体" panose="02010600030101010101" pitchFamily="2" charset="-122"/>
+                  <a:cs typeface="宋体" panose="02010600030101010101" pitchFamily="2" charset="-122"/>
+                </a:endParaRPr>
+              </a:p>
+            </p:txBody>
+          </p:sp>
+          <p:sp>
+            <p:nvSpPr>
+              <p:cNvPr id="17" name="文本框 64">
+                <a:extLst>
+                  <a:ext uri="{FF2B5EF4-FFF2-40B4-BE49-F238E27FC236}">
+                    <a16:creationId xmlns:a16="http://schemas.microsoft.com/office/drawing/2014/main" id="{147A75CD-7907-3842-8A27-2C7A12F21AB4}"/>
+                  </a:ext>
+                </a:extLst>
+              </p:cNvPr>
+              <p:cNvSpPr>
+                <a:spLocks noChangeArrowheads="1"/>
+              </p:cNvSpPr>
+              <p:nvPr/>
+            </p:nvSpPr>
+            <p:spPr bwMode="auto">
+              <a:xfrm>
+                <a:off x="4948" y="2608"/>
+                <a:ext cx="555" cy="495"/>
+              </a:xfrm>
+              <a:prstGeom prst="rect">
+                <a:avLst/>
+              </a:prstGeom>
+              <a:solidFill>
+                <a:srgbClr val="FFFFFF"/>
+              </a:solidFill>
+              <a:ln>
+                <a:noFill/>
+              </a:ln>
+              <a:extLst>
+                <a:ext uri="{91240B29-F687-4F45-9708-019B960494DF}">
+                  <a14:hiddenLine xmlns:a14="http://schemas.microsoft.com/office/drawing/2010/main" w="9525">
+                    <a:solidFill>
+                      <a:srgbClr val="000000"/>
+                    </a:solidFill>
+                    <a:miter lim="800000"/>
+                    <a:headEnd/>
+                    <a:tailEnd/>
+                  </a14:hiddenLine>
+                </a:ext>
+              </a:extLst>
+            </p:spPr>
+            <p:txBody>
+              <a:bodyPr rot="0" vert="horz" wrap="square" lIns="91440" tIns="45720" rIns="91440" bIns="45720" anchor="t" anchorCtr="0" upright="1">
+                <a:noAutofit/>
+              </a:bodyPr>
+              <a:lstStyle/>
+              <a:p>
+                <a:pPr algn="just">
+                  <a:spcAft>
+                    <a:spcPts val="0"/>
+                  </a:spcAft>
+                </a:pPr>
+                <a:r>
+                  <a:rPr lang="en-US" sz="1200">
+                    <a:effectLst/>
+                    <a:latin typeface="宋体" panose="02010600030101010101" pitchFamily="2" charset="-122"/>
+                    <a:ea typeface="宋体" panose="02010600030101010101" pitchFamily="2" charset="-122"/>
+                    <a:cs typeface="Times New Roman" panose="02020603050405020304" pitchFamily="18" charset="0"/>
+                  </a:rPr>
+                  <a:t>16</a:t>
+                </a:r>
+                <a:endParaRPr lang="zh-CN" sz="1200">
+                  <a:effectLst/>
+                  <a:latin typeface="宋体" panose="02010600030101010101" pitchFamily="2" charset="-122"/>
+                  <a:ea typeface="宋体" panose="02010600030101010101" pitchFamily="2" charset="-122"/>
+                  <a:cs typeface="宋体" panose="02010600030101010101" pitchFamily="2" charset="-122"/>
+                </a:endParaRPr>
+              </a:p>
+            </p:txBody>
+          </p:sp>
+          <p:sp>
+            <p:nvSpPr>
+              <p:cNvPr id="18" name="文本框 64">
+                <a:extLst>
+                  <a:ext uri="{FF2B5EF4-FFF2-40B4-BE49-F238E27FC236}">
+                    <a16:creationId xmlns:a16="http://schemas.microsoft.com/office/drawing/2014/main" id="{D2066F00-910A-E842-88B7-7DDCD1D6BF3E}"/>
+                  </a:ext>
+                </a:extLst>
+              </p:cNvPr>
+              <p:cNvSpPr>
+                <a:spLocks noChangeArrowheads="1"/>
+              </p:cNvSpPr>
+              <p:nvPr/>
+            </p:nvSpPr>
+            <p:spPr bwMode="auto">
+              <a:xfrm>
+                <a:off x="6658" y="1888"/>
+                <a:ext cx="555" cy="495"/>
+              </a:xfrm>
+              <a:prstGeom prst="rect">
+                <a:avLst/>
+              </a:prstGeom>
+              <a:solidFill>
+                <a:srgbClr val="FFFFFF"/>
+              </a:solidFill>
+              <a:ln>
+                <a:noFill/>
+              </a:ln>
+              <a:extLst>
+                <a:ext uri="{91240B29-F687-4F45-9708-019B960494DF}">
+                  <a14:hiddenLine xmlns:a14="http://schemas.microsoft.com/office/drawing/2010/main" w="9525">
+                    <a:solidFill>
+                      <a:srgbClr val="000000"/>
+                    </a:solidFill>
+                    <a:miter lim="800000"/>
+                    <a:headEnd/>
+                    <a:tailEnd/>
+                  </a14:hiddenLine>
+                </a:ext>
+              </a:extLst>
+            </p:spPr>
+            <p:txBody>
+              <a:bodyPr rot="0" vert="horz" wrap="square" lIns="91440" tIns="45720" rIns="91440" bIns="45720" anchor="t" anchorCtr="0" upright="1">
+                <a:noAutofit/>
+              </a:bodyPr>
+              <a:lstStyle/>
+              <a:p>
+                <a:pPr algn="just">
+                  <a:spcAft>
+                    <a:spcPts val="0"/>
+                  </a:spcAft>
+                </a:pPr>
+                <a:r>
+                  <a:rPr lang="en-US" sz="1200">
+                    <a:effectLst/>
+                    <a:latin typeface="宋体" panose="02010600030101010101" pitchFamily="2" charset="-122"/>
+                    <a:ea typeface="宋体" panose="02010600030101010101" pitchFamily="2" charset="-122"/>
+                    <a:cs typeface="Times New Roman" panose="02020603050405020304" pitchFamily="18" charset="0"/>
+                  </a:rPr>
+                  <a:t>09</a:t>
+                </a:r>
+                <a:endParaRPr lang="zh-CN" sz="1200">
+                  <a:effectLst/>
+                  <a:latin typeface="宋体" panose="02010600030101010101" pitchFamily="2" charset="-122"/>
+                  <a:ea typeface="宋体" panose="02010600030101010101" pitchFamily="2" charset="-122"/>
+                  <a:cs typeface="宋体" panose="02010600030101010101" pitchFamily="2" charset="-122"/>
+                </a:endParaRPr>
+              </a:p>
+            </p:txBody>
+          </p:sp>
+          <p:sp>
+            <p:nvSpPr>
+              <p:cNvPr id="19" name="文本框 64">
+                <a:extLst>
+                  <a:ext uri="{FF2B5EF4-FFF2-40B4-BE49-F238E27FC236}">
+                    <a16:creationId xmlns:a16="http://schemas.microsoft.com/office/drawing/2014/main" id="{D19B86AB-82E7-DC43-A237-63CACA740E80}"/>
+                  </a:ext>
+                </a:extLst>
+              </p:cNvPr>
+              <p:cNvSpPr>
+                <a:spLocks noChangeArrowheads="1"/>
+              </p:cNvSpPr>
+              <p:nvPr/>
+            </p:nvSpPr>
+            <p:spPr bwMode="auto">
+              <a:xfrm>
+                <a:off x="5801" y="1888"/>
+                <a:ext cx="555" cy="495"/>
+              </a:xfrm>
+              <a:prstGeom prst="rect">
+                <a:avLst/>
+              </a:prstGeom>
+              <a:solidFill>
+                <a:srgbClr val="FFFFFF"/>
+              </a:solidFill>
+              <a:ln>
+                <a:noFill/>
+              </a:ln>
+              <a:extLst>
+                <a:ext uri="{91240B29-F687-4F45-9708-019B960494DF}">
+                  <a14:hiddenLine xmlns:a14="http://schemas.microsoft.com/office/drawing/2010/main" w="9525">
+                    <a:solidFill>
+                      <a:srgbClr val="000000"/>
+                    </a:solidFill>
+                    <a:miter lim="800000"/>
+                    <a:headEnd/>
+                    <a:tailEnd/>
+                  </a14:hiddenLine>
+                </a:ext>
+              </a:extLst>
+            </p:spPr>
+            <p:txBody>
+              <a:bodyPr rot="0" vert="horz" wrap="square" lIns="91440" tIns="45720" rIns="91440" bIns="45720" anchor="t" anchorCtr="0" upright="1">
+                <a:noAutofit/>
+              </a:bodyPr>
+              <a:lstStyle/>
+              <a:p>
+                <a:pPr algn="just">
+                  <a:spcAft>
+                    <a:spcPts val="0"/>
+                  </a:spcAft>
+                </a:pPr>
+                <a:r>
+                  <a:rPr lang="en-US" sz="1200">
+                    <a:effectLst/>
+                    <a:latin typeface="宋体" panose="02010600030101010101" pitchFamily="2" charset="-122"/>
+                    <a:ea typeface="宋体" panose="02010600030101010101" pitchFamily="2" charset="-122"/>
+                    <a:cs typeface="Times New Roman" panose="02020603050405020304" pitchFamily="18" charset="0"/>
+                  </a:rPr>
+                  <a:t>15</a:t>
+                </a:r>
+                <a:endParaRPr lang="zh-CN" sz="1200">
+                  <a:effectLst/>
+                  <a:latin typeface="宋体" panose="02010600030101010101" pitchFamily="2" charset="-122"/>
+                  <a:ea typeface="宋体" panose="02010600030101010101" pitchFamily="2" charset="-122"/>
+                  <a:cs typeface="宋体" panose="02010600030101010101" pitchFamily="2" charset="-122"/>
+                </a:endParaRPr>
+              </a:p>
+            </p:txBody>
+          </p:sp>
+          <p:sp>
+            <p:nvSpPr>
+              <p:cNvPr id="20" name="文本框 64">
+                <a:extLst>
+                  <a:ext uri="{FF2B5EF4-FFF2-40B4-BE49-F238E27FC236}">
+                    <a16:creationId xmlns:a16="http://schemas.microsoft.com/office/drawing/2014/main" id="{F5D3F2B5-028E-AD49-A611-67D98644D096}"/>
+                  </a:ext>
+                </a:extLst>
+              </p:cNvPr>
+              <p:cNvSpPr>
+                <a:spLocks noChangeArrowheads="1"/>
+              </p:cNvSpPr>
+              <p:nvPr/>
+            </p:nvSpPr>
+            <p:spPr bwMode="auto">
+              <a:xfrm>
+                <a:off x="4978" y="1888"/>
+                <a:ext cx="555" cy="495"/>
+              </a:xfrm>
+              <a:prstGeom prst="rect">
+                <a:avLst/>
+              </a:prstGeom>
+              <a:solidFill>
+                <a:srgbClr val="FFFFFF"/>
+              </a:solidFill>
+              <a:ln>
+                <a:noFill/>
+              </a:ln>
+              <a:extLst>
+                <a:ext uri="{91240B29-F687-4F45-9708-019B960494DF}">
+                  <a14:hiddenLine xmlns:a14="http://schemas.microsoft.com/office/drawing/2010/main" w="9525">
+                    <a:solidFill>
+                      <a:srgbClr val="000000"/>
+                    </a:solidFill>
+                    <a:miter lim="800000"/>
+                    <a:headEnd/>
+                    <a:tailEnd/>
+                  </a14:hiddenLine>
+                </a:ext>
+              </a:extLst>
+            </p:spPr>
+            <p:txBody>
+              <a:bodyPr rot="0" vert="horz" wrap="square" lIns="91440" tIns="45720" rIns="91440" bIns="45720" anchor="t" anchorCtr="0" upright="1">
+                <a:noAutofit/>
+              </a:bodyPr>
+              <a:lstStyle/>
+              <a:p>
+                <a:pPr algn="just">
+                  <a:spcAft>
+                    <a:spcPts val="0"/>
+                  </a:spcAft>
+                </a:pPr>
+                <a:r>
+                  <a:rPr lang="en-US" sz="1200">
+                    <a:effectLst/>
+                    <a:latin typeface="宋体" panose="02010600030101010101" pitchFamily="2" charset="-122"/>
+                    <a:ea typeface="宋体" panose="02010600030101010101" pitchFamily="2" charset="-122"/>
+                    <a:cs typeface="Times New Roman" panose="02020603050405020304" pitchFamily="18" charset="0"/>
+                  </a:rPr>
+                  <a:t>07</a:t>
+                </a:r>
+                <a:endParaRPr lang="zh-CN" sz="1200">
+                  <a:effectLst/>
+                  <a:latin typeface="宋体" panose="02010600030101010101" pitchFamily="2" charset="-122"/>
+                  <a:ea typeface="宋体" panose="02010600030101010101" pitchFamily="2" charset="-122"/>
+                  <a:cs typeface="宋体" panose="02010600030101010101" pitchFamily="2" charset="-122"/>
+                </a:endParaRPr>
+              </a:p>
+            </p:txBody>
+          </p:sp>
+          <p:sp>
+            <p:nvSpPr>
+              <p:cNvPr id="21" name="文本框 64">
+                <a:extLst>
+                  <a:ext uri="{FF2B5EF4-FFF2-40B4-BE49-F238E27FC236}">
+                    <a16:creationId xmlns:a16="http://schemas.microsoft.com/office/drawing/2014/main" id="{BF81CDA0-6A8D-F247-9742-EE6358304848}"/>
+                  </a:ext>
+                </a:extLst>
+              </p:cNvPr>
+              <p:cNvSpPr>
+                <a:spLocks noChangeArrowheads="1"/>
+              </p:cNvSpPr>
+              <p:nvPr/>
+            </p:nvSpPr>
+            <p:spPr bwMode="auto">
+              <a:xfrm>
+                <a:off x="6686" y="1183"/>
+                <a:ext cx="555" cy="495"/>
+              </a:xfrm>
+              <a:prstGeom prst="rect">
+                <a:avLst/>
+              </a:prstGeom>
+              <a:solidFill>
+                <a:srgbClr val="FFFFFF"/>
+              </a:solidFill>
+              <a:ln>
+                <a:noFill/>
+              </a:ln>
+              <a:extLst>
+                <a:ext uri="{91240B29-F687-4F45-9708-019B960494DF}">
+                  <a14:hiddenLine xmlns:a14="http://schemas.microsoft.com/office/drawing/2010/main" w="9525">
+                    <a:solidFill>
+                      <a:srgbClr val="000000"/>
+                    </a:solidFill>
+                    <a:miter lim="800000"/>
+                    <a:headEnd/>
+                    <a:tailEnd/>
+                  </a14:hiddenLine>
+                </a:ext>
+              </a:extLst>
+            </p:spPr>
+            <p:txBody>
+              <a:bodyPr rot="0" vert="horz" wrap="square" lIns="91440" tIns="45720" rIns="91440" bIns="45720" anchor="t" anchorCtr="0" upright="1">
+                <a:noAutofit/>
+              </a:bodyPr>
+              <a:lstStyle/>
+              <a:p>
+                <a:pPr algn="just">
+                  <a:spcAft>
+                    <a:spcPts val="0"/>
+                  </a:spcAft>
+                </a:pPr>
+                <a:r>
+                  <a:rPr lang="en-US" sz="1200">
+                    <a:effectLst/>
+                    <a:latin typeface="宋体" panose="02010600030101010101" pitchFamily="2" charset="-122"/>
+                    <a:ea typeface="宋体" panose="02010600030101010101" pitchFamily="2" charset="-122"/>
+                    <a:cs typeface="Times New Roman" panose="02020603050405020304" pitchFamily="18" charset="0"/>
+                  </a:rPr>
+                  <a:t>43</a:t>
+                </a:r>
+                <a:endParaRPr lang="zh-CN" sz="1200">
+                  <a:effectLst/>
+                  <a:latin typeface="宋体" panose="02010600030101010101" pitchFamily="2" charset="-122"/>
+                  <a:ea typeface="宋体" panose="02010600030101010101" pitchFamily="2" charset="-122"/>
+                  <a:cs typeface="宋体" panose="02010600030101010101" pitchFamily="2" charset="-122"/>
+                </a:endParaRPr>
+              </a:p>
+            </p:txBody>
+          </p:sp>
+          <p:sp>
+            <p:nvSpPr>
+              <p:cNvPr id="22" name="文本框 64">
+                <a:extLst>
+                  <a:ext uri="{FF2B5EF4-FFF2-40B4-BE49-F238E27FC236}">
+                    <a16:creationId xmlns:a16="http://schemas.microsoft.com/office/drawing/2014/main" id="{9ADB74C7-BBF5-8040-A306-4F034D59E3C4}"/>
+                  </a:ext>
+                </a:extLst>
+              </p:cNvPr>
+              <p:cNvSpPr>
+                <a:spLocks noChangeArrowheads="1"/>
+              </p:cNvSpPr>
+              <p:nvPr/>
+            </p:nvSpPr>
+            <p:spPr bwMode="auto">
+              <a:xfrm>
+                <a:off x="5831" y="1183"/>
+                <a:ext cx="555" cy="495"/>
+              </a:xfrm>
+              <a:prstGeom prst="rect">
+                <a:avLst/>
+              </a:prstGeom>
+              <a:solidFill>
+                <a:srgbClr val="FFFFFF"/>
+              </a:solidFill>
+              <a:ln>
+                <a:noFill/>
+              </a:ln>
+              <a:extLst>
+                <a:ext uri="{91240B29-F687-4F45-9708-019B960494DF}">
+                  <a14:hiddenLine xmlns:a14="http://schemas.microsoft.com/office/drawing/2010/main" w="9525">
+                    <a:solidFill>
+                      <a:srgbClr val="000000"/>
+                    </a:solidFill>
+                    <a:miter lim="800000"/>
+                    <a:headEnd/>
+                    <a:tailEnd/>
+                  </a14:hiddenLine>
+                </a:ext>
+              </a:extLst>
+            </p:spPr>
+            <p:txBody>
+              <a:bodyPr rot="0" vert="horz" wrap="square" lIns="91440" tIns="45720" rIns="91440" bIns="45720" anchor="t" anchorCtr="0" upright="1">
+                <a:noAutofit/>
+              </a:bodyPr>
+              <a:lstStyle/>
+              <a:p>
+                <a:pPr algn="just">
+                  <a:spcAft>
+                    <a:spcPts val="0"/>
+                  </a:spcAft>
+                </a:pPr>
+                <a:r>
+                  <a:rPr lang="en-US" sz="1200">
+                    <a:effectLst/>
+                    <a:latin typeface="宋体" panose="02010600030101010101" pitchFamily="2" charset="-122"/>
+                    <a:ea typeface="宋体" panose="02010600030101010101" pitchFamily="2" charset="-122"/>
+                    <a:cs typeface="Times New Roman" panose="02020603050405020304" pitchFamily="18" charset="0"/>
+                  </a:rPr>
+                  <a:t>40</a:t>
+                </a:r>
+                <a:endParaRPr lang="zh-CN" sz="1200">
+                  <a:effectLst/>
+                  <a:latin typeface="宋体" panose="02010600030101010101" pitchFamily="2" charset="-122"/>
+                  <a:ea typeface="宋体" panose="02010600030101010101" pitchFamily="2" charset="-122"/>
+                  <a:cs typeface="宋体" panose="02010600030101010101" pitchFamily="2" charset="-122"/>
+                </a:endParaRPr>
+              </a:p>
+            </p:txBody>
+          </p:sp>
+          <p:sp>
+            <p:nvSpPr>
+              <p:cNvPr id="23" name="文本框 64">
+                <a:extLst>
+                  <a:ext uri="{FF2B5EF4-FFF2-40B4-BE49-F238E27FC236}">
+                    <a16:creationId xmlns:a16="http://schemas.microsoft.com/office/drawing/2014/main" id="{2E3B152B-C37F-A948-9A16-0AC6AFB2E414}"/>
+                  </a:ext>
+                </a:extLst>
+              </p:cNvPr>
+              <p:cNvSpPr>
+                <a:spLocks noChangeArrowheads="1"/>
+              </p:cNvSpPr>
+              <p:nvPr/>
+            </p:nvSpPr>
+            <p:spPr bwMode="auto">
+              <a:xfrm>
+                <a:off x="4963" y="1183"/>
+                <a:ext cx="555" cy="495"/>
+              </a:xfrm>
+              <a:prstGeom prst="rect">
+                <a:avLst/>
+              </a:prstGeom>
+              <a:solidFill>
+                <a:srgbClr val="FFFFFF"/>
+              </a:solidFill>
+              <a:ln>
+                <a:noFill/>
+              </a:ln>
+              <a:extLst>
+                <a:ext uri="{91240B29-F687-4F45-9708-019B960494DF}">
+                  <a14:hiddenLine xmlns:a14="http://schemas.microsoft.com/office/drawing/2010/main" w="9525">
+                    <a:solidFill>
+                      <a:srgbClr val="000000"/>
+                    </a:solidFill>
+                    <a:miter lim="800000"/>
+                    <a:headEnd/>
+                    <a:tailEnd/>
+                  </a14:hiddenLine>
+                </a:ext>
+              </a:extLst>
+            </p:spPr>
+            <p:txBody>
+              <a:bodyPr rot="0" vert="horz" wrap="square" lIns="91440" tIns="45720" rIns="91440" bIns="45720" anchor="t" anchorCtr="0" upright="1">
+                <a:noAutofit/>
+              </a:bodyPr>
+              <a:lstStyle/>
+              <a:p>
+                <a:pPr algn="just">
+                  <a:spcAft>
+                    <a:spcPts val="0"/>
+                  </a:spcAft>
+                </a:pPr>
+                <a:r>
+                  <a:rPr lang="en-US" sz="1200">
+                    <a:effectLst/>
+                    <a:latin typeface="宋体" panose="02010600030101010101" pitchFamily="2" charset="-122"/>
+                    <a:ea typeface="宋体" panose="02010600030101010101" pitchFamily="2" charset="-122"/>
+                    <a:cs typeface="Times New Roman" panose="02020603050405020304" pitchFamily="18" charset="0"/>
+                  </a:rPr>
+                  <a:t>44</a:t>
+                </a:r>
+                <a:endParaRPr lang="zh-CN" sz="1200">
+                  <a:effectLst/>
+                  <a:latin typeface="宋体" panose="02010600030101010101" pitchFamily="2" charset="-122"/>
+                  <a:ea typeface="宋体" panose="02010600030101010101" pitchFamily="2" charset="-122"/>
+                  <a:cs typeface="宋体" panose="02010600030101010101" pitchFamily="2" charset="-122"/>
+                </a:endParaRPr>
+              </a:p>
+            </p:txBody>
+          </p:sp>
+          <p:sp>
+            <p:nvSpPr>
+              <p:cNvPr id="24" name="文本框 64">
+                <a:extLst>
+                  <a:ext uri="{FF2B5EF4-FFF2-40B4-BE49-F238E27FC236}">
+                    <a16:creationId xmlns:a16="http://schemas.microsoft.com/office/drawing/2014/main" id="{0C57D9D0-5972-584B-B7B9-B3EAE02B7E78}"/>
+                  </a:ext>
+                </a:extLst>
+              </p:cNvPr>
+              <p:cNvSpPr>
+                <a:spLocks noChangeArrowheads="1"/>
+              </p:cNvSpPr>
+              <p:nvPr/>
+            </p:nvSpPr>
+            <p:spPr bwMode="auto">
+              <a:xfrm>
+                <a:off x="6658" y="463"/>
+                <a:ext cx="555" cy="495"/>
+              </a:xfrm>
+              <a:prstGeom prst="rect">
+                <a:avLst/>
+              </a:prstGeom>
+              <a:solidFill>
+                <a:srgbClr val="FFFFFF"/>
+              </a:solidFill>
+              <a:ln>
+                <a:noFill/>
+              </a:ln>
+              <a:extLst>
+                <a:ext uri="{91240B29-F687-4F45-9708-019B960494DF}">
+                  <a14:hiddenLine xmlns:a14="http://schemas.microsoft.com/office/drawing/2010/main" w="9525">
+                    <a:solidFill>
+                      <a:srgbClr val="000000"/>
+                    </a:solidFill>
+                    <a:miter lim="800000"/>
+                    <a:headEnd/>
+                    <a:tailEnd/>
+                  </a14:hiddenLine>
+                </a:ext>
+              </a:extLst>
+            </p:spPr>
+            <p:txBody>
+              <a:bodyPr rot="0" vert="horz" wrap="square" lIns="91440" tIns="45720" rIns="91440" bIns="45720" anchor="t" anchorCtr="0" upright="1">
+                <a:noAutofit/>
+              </a:bodyPr>
+              <a:lstStyle/>
+              <a:p>
+                <a:pPr algn="just">
+                  <a:spcAft>
+                    <a:spcPts val="0"/>
+                  </a:spcAft>
+                </a:pPr>
+                <a:r>
+                  <a:rPr lang="en-US" sz="1200">
+                    <a:effectLst/>
+                    <a:latin typeface="宋体" panose="02010600030101010101" pitchFamily="2" charset="-122"/>
+                    <a:ea typeface="宋体" panose="02010600030101010101" pitchFamily="2" charset="-122"/>
+                    <a:cs typeface="Times New Roman" panose="02020603050405020304" pitchFamily="18" charset="0"/>
+                  </a:rPr>
+                  <a:t>47</a:t>
+                </a:r>
+                <a:endParaRPr lang="zh-CN" sz="1200">
+                  <a:effectLst/>
+                  <a:latin typeface="宋体" panose="02010600030101010101" pitchFamily="2" charset="-122"/>
+                  <a:ea typeface="宋体" panose="02010600030101010101" pitchFamily="2" charset="-122"/>
+                  <a:cs typeface="宋体" panose="02010600030101010101" pitchFamily="2" charset="-122"/>
+                </a:endParaRPr>
+              </a:p>
+            </p:txBody>
+          </p:sp>
+          <p:sp>
+            <p:nvSpPr>
+              <p:cNvPr id="25" name="文本框 64">
+                <a:extLst>
+                  <a:ext uri="{FF2B5EF4-FFF2-40B4-BE49-F238E27FC236}">
+                    <a16:creationId xmlns:a16="http://schemas.microsoft.com/office/drawing/2014/main" id="{0C6FFC84-CDBF-C84B-AA61-27A71F405BF3}"/>
+                  </a:ext>
+                </a:extLst>
+              </p:cNvPr>
+              <p:cNvSpPr>
+                <a:spLocks noChangeArrowheads="1"/>
+              </p:cNvSpPr>
+              <p:nvPr/>
+            </p:nvSpPr>
+            <p:spPr bwMode="auto">
+              <a:xfrm>
+                <a:off x="5831" y="478"/>
+                <a:ext cx="555" cy="495"/>
+              </a:xfrm>
+              <a:prstGeom prst="rect">
+                <a:avLst/>
+              </a:prstGeom>
+              <a:solidFill>
+                <a:srgbClr val="FFFFFF"/>
+              </a:solidFill>
+              <a:ln>
+                <a:noFill/>
+              </a:ln>
+              <a:extLst>
+                <a:ext uri="{91240B29-F687-4F45-9708-019B960494DF}">
+                  <a14:hiddenLine xmlns:a14="http://schemas.microsoft.com/office/drawing/2010/main" w="9525">
+                    <a:solidFill>
+                      <a:srgbClr val="000000"/>
+                    </a:solidFill>
+                    <a:miter lim="800000"/>
+                    <a:headEnd/>
+                    <a:tailEnd/>
+                  </a14:hiddenLine>
+                </a:ext>
+              </a:extLst>
+            </p:spPr>
+            <p:txBody>
+              <a:bodyPr rot="0" vert="horz" wrap="square" lIns="91440" tIns="45720" rIns="91440" bIns="45720" anchor="t" anchorCtr="0" upright="1">
+                <a:noAutofit/>
+              </a:bodyPr>
+              <a:lstStyle/>
+              <a:p>
+                <a:pPr algn="just">
+                  <a:spcAft>
+                    <a:spcPts val="0"/>
+                  </a:spcAft>
+                </a:pPr>
+                <a:r>
+                  <a:rPr lang="en-US" sz="1200">
+                    <a:effectLst/>
+                    <a:latin typeface="宋体" panose="02010600030101010101" pitchFamily="2" charset="-122"/>
+                    <a:ea typeface="宋体" panose="02010600030101010101" pitchFamily="2" charset="-122"/>
+                    <a:cs typeface="Times New Roman" panose="02020603050405020304" pitchFamily="18" charset="0"/>
+                  </a:rPr>
+                  <a:t>46</a:t>
+                </a:r>
+                <a:endParaRPr lang="zh-CN" sz="1200">
+                  <a:effectLst/>
+                  <a:latin typeface="宋体" panose="02010600030101010101" pitchFamily="2" charset="-122"/>
+                  <a:ea typeface="宋体" panose="02010600030101010101" pitchFamily="2" charset="-122"/>
+                  <a:cs typeface="宋体" panose="02010600030101010101" pitchFamily="2" charset="-122"/>
+                </a:endParaRPr>
+              </a:p>
+            </p:txBody>
+          </p:sp>
+          <p:sp>
+            <p:nvSpPr>
+              <p:cNvPr id="26" name="文本框 64">
+                <a:extLst>
+                  <a:ext uri="{FF2B5EF4-FFF2-40B4-BE49-F238E27FC236}">
+                    <a16:creationId xmlns:a16="http://schemas.microsoft.com/office/drawing/2014/main" id="{7596EE33-281C-9E4A-A3E3-591BFB5904DD}"/>
+                  </a:ext>
+                </a:extLst>
+              </p:cNvPr>
+              <p:cNvSpPr>
+                <a:spLocks noChangeArrowheads="1"/>
+              </p:cNvSpPr>
+              <p:nvPr/>
+            </p:nvSpPr>
+            <p:spPr bwMode="auto">
+              <a:xfrm>
+                <a:off x="4978" y="463"/>
+                <a:ext cx="555" cy="495"/>
+              </a:xfrm>
+              <a:prstGeom prst="rect">
+                <a:avLst/>
+              </a:prstGeom>
+              <a:solidFill>
+                <a:srgbClr val="FFFFFF"/>
+              </a:solidFill>
+              <a:ln>
+                <a:noFill/>
+              </a:ln>
+              <a:extLst>
+                <a:ext uri="{91240B29-F687-4F45-9708-019B960494DF}">
+                  <a14:hiddenLine xmlns:a14="http://schemas.microsoft.com/office/drawing/2010/main" w="9525">
+                    <a:solidFill>
+                      <a:srgbClr val="000000"/>
+                    </a:solidFill>
+                    <a:miter lim="800000"/>
+                    <a:headEnd/>
+                    <a:tailEnd/>
+                  </a14:hiddenLine>
+                </a:ext>
+              </a:extLst>
+            </p:spPr>
+            <p:txBody>
+              <a:bodyPr rot="0" vert="horz" wrap="square" lIns="91440" tIns="45720" rIns="91440" bIns="45720" anchor="t" anchorCtr="0" upright="1">
+                <a:noAutofit/>
+              </a:bodyPr>
+              <a:lstStyle/>
+              <a:p>
+                <a:pPr algn="just">
+                  <a:spcAft>
+                    <a:spcPts val="0"/>
+                  </a:spcAft>
+                </a:pPr>
+                <a:r>
+                  <a:rPr lang="en-US" sz="1200" kern="100">
+                    <a:effectLst/>
+                    <a:latin typeface="Calibri" panose="020F0502020204030204" pitchFamily="34" charset="0"/>
+                    <a:ea typeface="宋体" panose="02010600030101010101" pitchFamily="2" charset="-122"/>
+                    <a:cs typeface="Times New Roman" panose="02020603050405020304" pitchFamily="18" charset="0"/>
+                  </a:rPr>
+                  <a:t>45</a:t>
+                </a:r>
+                <a:endParaRPr lang="zh-CN" sz="1050" kern="100">
+                  <a:effectLst/>
+                  <a:latin typeface="Calibri" panose="020F0502020204030204" pitchFamily="34" charset="0"/>
+                  <a:ea typeface="宋体" panose="02010600030101010101" pitchFamily="2" charset="-122"/>
+                  <a:cs typeface="Times New Roman" panose="02020603050405020304" pitchFamily="18" charset="0"/>
+                </a:endParaRPr>
+              </a:p>
+            </p:txBody>
+          </p:sp>
+          <p:pic>
+            <p:nvPicPr>
+              <p:cNvPr id="27" name="图片 26">
+                <a:extLst>
+                  <a:ext uri="{FF2B5EF4-FFF2-40B4-BE49-F238E27FC236}">
+                    <a16:creationId xmlns:a16="http://schemas.microsoft.com/office/drawing/2014/main" id="{D1B8A635-8EDA-B94F-B5DE-F117CE3EC97B}"/>
+                  </a:ext>
+                </a:extLst>
+              </p:cNvPr>
+              <p:cNvPicPr>
+                <a:picLocks noChangeAspect="1" noChangeArrowheads="1"/>
+              </p:cNvPicPr>
+              <p:nvPr/>
+            </p:nvPicPr>
+            <p:blipFill>
+              <a:blip r:embed="rId2">
+                <a:extLst>
+                  <a:ext uri="{28A0092B-C50C-407E-A947-70E740481C1C}">
+                    <a14:useLocalDpi xmlns:a14="http://schemas.microsoft.com/office/drawing/2010/main" val="0"/>
+                  </a:ext>
+                </a:extLst>
+              </a:blip>
+              <a:srcRect/>
+              <a:stretch>
+                <a:fillRect/>
+              </a:stretch>
+            </p:blipFill>
+            <p:spPr bwMode="auto">
+              <a:xfrm>
+                <a:off x="690" y="0"/>
+                <a:ext cx="3330" cy="5655"/>
+              </a:xfrm>
+              <a:prstGeom prst="rect">
+                <a:avLst/>
+              </a:prstGeom>
+              <a:noFill/>
+              <a:extLst>
+                <a:ext uri="{909E8E84-426E-40DD-AFC4-6F175D3DCCD1}">
+                  <a14:hiddenFill xmlns:a14="http://schemas.microsoft.com/office/drawing/2010/main">
+                    <a:solidFill>
+                      <a:srgbClr val="FFFFFF"/>
+                    </a:solidFill>
+                  </a14:hiddenFill>
+                </a:ext>
+              </a:extLst>
+            </p:spPr>
+          </p:pic>
+          <p:sp>
+            <p:nvSpPr>
+              <p:cNvPr id="28" name="圆角矩形 27">
+                <a:extLst>
+                  <a:ext uri="{FF2B5EF4-FFF2-40B4-BE49-F238E27FC236}">
+                    <a16:creationId xmlns:a16="http://schemas.microsoft.com/office/drawing/2014/main" id="{A7A004BD-37BE-9043-9E87-6D435F75D29F}"/>
+                  </a:ext>
+                </a:extLst>
+              </p:cNvPr>
+              <p:cNvSpPr>
+                <a:spLocks noChangeArrowheads="1"/>
+              </p:cNvSpPr>
+              <p:nvPr/>
+            </p:nvSpPr>
+            <p:spPr bwMode="auto">
+              <a:xfrm>
+                <a:off x="4770" y="75"/>
+                <a:ext cx="2670" cy="5565"/>
+              </a:xfrm>
+              <a:prstGeom prst="roundRect">
+                <a:avLst>
+                  <a:gd name="adj" fmla="val 16667"/>
+                </a:avLst>
+              </a:prstGeom>
+              <a:noFill/>
+              <a:ln w="22225">
+                <a:solidFill>
+                  <a:srgbClr val="000000"/>
+                </a:solidFill>
+                <a:round/>
+                <a:headEnd/>
+                <a:tailEnd/>
+              </a:ln>
+              <a:extLst>
+                <a:ext uri="{909E8E84-426E-40DD-AFC4-6F175D3DCCD1}">
+                  <a14:hiddenFill xmlns:a14="http://schemas.microsoft.com/office/drawing/2010/main">
+                    <a:solidFill>
+                      <a:srgbClr val="FFFFFF"/>
+                    </a:solidFill>
+                  </a14:hiddenFill>
+                </a:ext>
+              </a:extLst>
+            </p:spPr>
+            <p:txBody>
+              <a:bodyPr rot="0" vert="horz" wrap="square" lIns="91440" tIns="45720" rIns="91440" bIns="45720" anchor="t" anchorCtr="0" upright="1">
+                <a:noAutofit/>
+              </a:bodyPr>
+              <a:lstStyle/>
+              <a:p>
+                <a:endParaRPr lang="zh-CN" altLang="en-US"/>
+              </a:p>
+            </p:txBody>
+          </p:sp>
+          <p:sp>
+            <p:nvSpPr>
+              <p:cNvPr id="29" name="椭圆 28">
+                <a:extLst>
+                  <a:ext uri="{FF2B5EF4-FFF2-40B4-BE49-F238E27FC236}">
+                    <a16:creationId xmlns:a16="http://schemas.microsoft.com/office/drawing/2014/main" id="{8FF2EBB1-A53C-3841-B231-6FD529BA7A0B}"/>
+                  </a:ext>
+                </a:extLst>
+              </p:cNvPr>
+              <p:cNvSpPr>
+                <a:spLocks noChangeArrowheads="1"/>
+              </p:cNvSpPr>
+              <p:nvPr/>
+            </p:nvSpPr>
+            <p:spPr bwMode="auto">
+              <a:xfrm>
+                <a:off x="4920" y="390"/>
+                <a:ext cx="645" cy="630"/>
+              </a:xfrm>
+              <a:prstGeom prst="ellipse">
+                <a:avLst/>
+              </a:prstGeom>
+              <a:noFill/>
+              <a:ln w="22225">
+                <a:solidFill>
+                  <a:srgbClr val="000000"/>
+                </a:solidFill>
+                <a:round/>
+                <a:headEnd/>
+                <a:tailEnd/>
+              </a:ln>
+              <a:extLst>
+                <a:ext uri="{909E8E84-426E-40DD-AFC4-6F175D3DCCD1}">
+                  <a14:hiddenFill xmlns:a14="http://schemas.microsoft.com/office/drawing/2010/main">
+                    <a:solidFill>
+                      <a:srgbClr val="FFFFFF"/>
+                    </a:solidFill>
+                  </a14:hiddenFill>
+                </a:ext>
+              </a:extLst>
+            </p:spPr>
+            <p:txBody>
+              <a:bodyPr rot="0" vert="horz" wrap="square" lIns="91440" tIns="45720" rIns="91440" bIns="45720" anchor="t" anchorCtr="0" upright="1">
+                <a:noAutofit/>
+              </a:bodyPr>
+              <a:lstStyle/>
+              <a:p>
+                <a:endParaRPr lang="zh-CN" altLang="en-US"/>
+              </a:p>
+            </p:txBody>
+          </p:sp>
+          <p:sp>
+            <p:nvSpPr>
+              <p:cNvPr id="30" name="椭圆 29">
+                <a:extLst>
+                  <a:ext uri="{FF2B5EF4-FFF2-40B4-BE49-F238E27FC236}">
+                    <a16:creationId xmlns:a16="http://schemas.microsoft.com/office/drawing/2014/main" id="{46480D14-D7BE-6A41-8F94-C4D87DE5C839}"/>
+                  </a:ext>
+                </a:extLst>
+              </p:cNvPr>
+              <p:cNvSpPr>
+                <a:spLocks noChangeArrowheads="1"/>
+              </p:cNvSpPr>
+              <p:nvPr/>
+            </p:nvSpPr>
+            <p:spPr bwMode="auto">
+              <a:xfrm>
+                <a:off x="5773" y="390"/>
+                <a:ext cx="645" cy="630"/>
+              </a:xfrm>
+              <a:prstGeom prst="ellipse">
+                <a:avLst/>
+              </a:prstGeom>
+              <a:noFill/>
+              <a:ln w="22225">
+                <a:solidFill>
+                  <a:srgbClr val="000000"/>
+                </a:solidFill>
+                <a:round/>
+                <a:headEnd/>
+                <a:tailEnd/>
+              </a:ln>
+              <a:extLst>
+                <a:ext uri="{909E8E84-426E-40DD-AFC4-6F175D3DCCD1}">
+                  <a14:hiddenFill xmlns:a14="http://schemas.microsoft.com/office/drawing/2010/main">
+                    <a:solidFill>
+                      <a:srgbClr val="FFFFFF"/>
+                    </a:solidFill>
+                  </a14:hiddenFill>
+                </a:ext>
+              </a:extLst>
+            </p:spPr>
+            <p:txBody>
+              <a:bodyPr rot="0" vert="horz" wrap="square" lIns="91440" tIns="45720" rIns="91440" bIns="45720" anchor="t" anchorCtr="0" upright="1">
+                <a:noAutofit/>
+              </a:bodyPr>
+              <a:lstStyle/>
+              <a:p>
+                <a:endParaRPr lang="zh-CN" altLang="en-US"/>
+              </a:p>
+            </p:txBody>
+          </p:sp>
+          <p:sp>
+            <p:nvSpPr>
+              <p:cNvPr id="31" name="椭圆 30">
+                <a:extLst>
+                  <a:ext uri="{FF2B5EF4-FFF2-40B4-BE49-F238E27FC236}">
+                    <a16:creationId xmlns:a16="http://schemas.microsoft.com/office/drawing/2014/main" id="{0D834EA5-4477-4E48-890D-87F93286B935}"/>
+                  </a:ext>
+                </a:extLst>
+              </p:cNvPr>
+              <p:cNvSpPr>
+                <a:spLocks noChangeArrowheads="1"/>
+              </p:cNvSpPr>
+              <p:nvPr/>
+            </p:nvSpPr>
+            <p:spPr bwMode="auto">
+              <a:xfrm>
+                <a:off x="6628" y="373"/>
+                <a:ext cx="645" cy="630"/>
+              </a:xfrm>
+              <a:prstGeom prst="ellipse">
+                <a:avLst/>
+              </a:prstGeom>
+              <a:noFill/>
+              <a:ln w="22225">
+                <a:solidFill>
+                  <a:srgbClr val="000000"/>
+                </a:solidFill>
+                <a:round/>
+                <a:headEnd/>
+                <a:tailEnd/>
+              </a:ln>
+              <a:extLst>
+                <a:ext uri="{909E8E84-426E-40DD-AFC4-6F175D3DCCD1}">
+                  <a14:hiddenFill xmlns:a14="http://schemas.microsoft.com/office/drawing/2010/main">
+                    <a:solidFill>
+                      <a:srgbClr val="FFFFFF"/>
+                    </a:solidFill>
+                  </a14:hiddenFill>
+                </a:ext>
+              </a:extLst>
+            </p:spPr>
+            <p:txBody>
+              <a:bodyPr rot="0" vert="horz" wrap="square" lIns="91440" tIns="45720" rIns="91440" bIns="45720" anchor="t" anchorCtr="0" upright="1">
+                <a:noAutofit/>
+              </a:bodyPr>
+              <a:lstStyle/>
+              <a:p>
+                <a:endParaRPr lang="zh-CN" altLang="en-US"/>
+              </a:p>
+            </p:txBody>
+          </p:sp>
+          <p:sp>
+            <p:nvSpPr>
+              <p:cNvPr id="32" name="椭圆 31">
+                <a:extLst>
+                  <a:ext uri="{FF2B5EF4-FFF2-40B4-BE49-F238E27FC236}">
+                    <a16:creationId xmlns:a16="http://schemas.microsoft.com/office/drawing/2014/main" id="{2937D5D4-3536-8942-878F-3FEF630B3344}"/>
+                  </a:ext>
+                </a:extLst>
+              </p:cNvPr>
+              <p:cNvSpPr>
+                <a:spLocks noChangeArrowheads="1"/>
+              </p:cNvSpPr>
+              <p:nvPr/>
+            </p:nvSpPr>
+            <p:spPr bwMode="auto">
+              <a:xfrm>
+                <a:off x="4920" y="1093"/>
+                <a:ext cx="645" cy="630"/>
+              </a:xfrm>
+              <a:prstGeom prst="ellipse">
+                <a:avLst/>
+              </a:prstGeom>
+              <a:noFill/>
+              <a:ln w="22225">
+                <a:solidFill>
+                  <a:srgbClr val="000000"/>
+                </a:solidFill>
+                <a:round/>
+                <a:headEnd/>
+                <a:tailEnd/>
+              </a:ln>
+              <a:extLst>
+                <a:ext uri="{909E8E84-426E-40DD-AFC4-6F175D3DCCD1}">
+                  <a14:hiddenFill xmlns:a14="http://schemas.microsoft.com/office/drawing/2010/main">
+                    <a:solidFill>
+                      <a:srgbClr val="FFFFFF"/>
+                    </a:solidFill>
+                  </a14:hiddenFill>
+                </a:ext>
+              </a:extLst>
+            </p:spPr>
+            <p:txBody>
+              <a:bodyPr rot="0" vert="horz" wrap="square" lIns="91440" tIns="45720" rIns="91440" bIns="45720" anchor="t" anchorCtr="0" upright="1">
+                <a:noAutofit/>
+              </a:bodyPr>
+              <a:lstStyle/>
+              <a:p>
+                <a:endParaRPr lang="zh-CN" altLang="en-US"/>
+              </a:p>
+            </p:txBody>
+          </p:sp>
+          <p:sp>
+            <p:nvSpPr>
+              <p:cNvPr id="33" name="椭圆 32">
+                <a:extLst>
+                  <a:ext uri="{FF2B5EF4-FFF2-40B4-BE49-F238E27FC236}">
+                    <a16:creationId xmlns:a16="http://schemas.microsoft.com/office/drawing/2014/main" id="{02D63E31-88B7-5F45-88F5-3C3D7C5F176E}"/>
+                  </a:ext>
+                </a:extLst>
+              </p:cNvPr>
+              <p:cNvSpPr>
+                <a:spLocks noChangeArrowheads="1"/>
+              </p:cNvSpPr>
+              <p:nvPr/>
+            </p:nvSpPr>
+            <p:spPr bwMode="auto">
+              <a:xfrm>
+                <a:off x="5773" y="1093"/>
+                <a:ext cx="645" cy="630"/>
+              </a:xfrm>
+              <a:prstGeom prst="ellipse">
+                <a:avLst/>
+              </a:prstGeom>
+              <a:noFill/>
+              <a:ln w="22225">
+                <a:solidFill>
+                  <a:srgbClr val="000000"/>
+                </a:solidFill>
+                <a:round/>
+                <a:headEnd/>
+                <a:tailEnd/>
+              </a:ln>
+              <a:extLst>
+                <a:ext uri="{909E8E84-426E-40DD-AFC4-6F175D3DCCD1}">
+                  <a14:hiddenFill xmlns:a14="http://schemas.microsoft.com/office/drawing/2010/main">
+                    <a:solidFill>
+                      <a:srgbClr val="FFFFFF"/>
+                    </a:solidFill>
+                  </a14:hiddenFill>
+                </a:ext>
+              </a:extLst>
+            </p:spPr>
+            <p:txBody>
+              <a:bodyPr rot="0" vert="horz" wrap="square" lIns="91440" tIns="45720" rIns="91440" bIns="45720" anchor="t" anchorCtr="0" upright="1">
+                <a:noAutofit/>
+              </a:bodyPr>
+              <a:lstStyle/>
+              <a:p>
+                <a:endParaRPr lang="zh-CN" altLang="en-US"/>
+              </a:p>
+            </p:txBody>
+          </p:sp>
+          <p:sp>
+            <p:nvSpPr>
+              <p:cNvPr id="34" name="椭圆 33">
+                <a:extLst>
+                  <a:ext uri="{FF2B5EF4-FFF2-40B4-BE49-F238E27FC236}">
+                    <a16:creationId xmlns:a16="http://schemas.microsoft.com/office/drawing/2014/main" id="{E118DA74-5AD3-4246-8714-19FB1E3F551B}"/>
+                  </a:ext>
+                </a:extLst>
+              </p:cNvPr>
+              <p:cNvSpPr>
+                <a:spLocks noChangeArrowheads="1"/>
+              </p:cNvSpPr>
+              <p:nvPr/>
+            </p:nvSpPr>
+            <p:spPr bwMode="auto">
+              <a:xfrm>
+                <a:off x="6628" y="1078"/>
+                <a:ext cx="645" cy="630"/>
+              </a:xfrm>
+              <a:prstGeom prst="ellipse">
+                <a:avLst/>
+              </a:prstGeom>
+              <a:noFill/>
+              <a:ln w="22225">
+                <a:solidFill>
+                  <a:srgbClr val="000000"/>
+                </a:solidFill>
+                <a:round/>
+                <a:headEnd/>
+                <a:tailEnd/>
+              </a:ln>
+              <a:extLst>
+                <a:ext uri="{909E8E84-426E-40DD-AFC4-6F175D3DCCD1}">
+                  <a14:hiddenFill xmlns:a14="http://schemas.microsoft.com/office/drawing/2010/main">
+                    <a:solidFill>
+                      <a:srgbClr val="FFFFFF"/>
+                    </a:solidFill>
+                  </a14:hiddenFill>
+                </a:ext>
+              </a:extLst>
+            </p:spPr>
+            <p:txBody>
+              <a:bodyPr rot="0" vert="horz" wrap="square" lIns="91440" tIns="45720" rIns="91440" bIns="45720" anchor="t" anchorCtr="0" upright="1">
+                <a:noAutofit/>
+              </a:bodyPr>
+              <a:lstStyle/>
+              <a:p>
+                <a:endParaRPr lang="zh-CN" altLang="en-US"/>
+              </a:p>
+            </p:txBody>
+          </p:sp>
+          <p:sp>
+            <p:nvSpPr>
+              <p:cNvPr id="35" name="椭圆 34">
+                <a:extLst>
+                  <a:ext uri="{FF2B5EF4-FFF2-40B4-BE49-F238E27FC236}">
+                    <a16:creationId xmlns:a16="http://schemas.microsoft.com/office/drawing/2014/main" id="{F2B803A3-B92C-1944-8D24-40FFF25FD7C4}"/>
+                  </a:ext>
+                </a:extLst>
+              </p:cNvPr>
+              <p:cNvSpPr>
+                <a:spLocks noChangeArrowheads="1"/>
+              </p:cNvSpPr>
+              <p:nvPr/>
+            </p:nvSpPr>
+            <p:spPr bwMode="auto">
+              <a:xfrm>
+                <a:off x="4920" y="1796"/>
+                <a:ext cx="645" cy="630"/>
+              </a:xfrm>
+              <a:prstGeom prst="ellipse">
+                <a:avLst/>
+              </a:prstGeom>
+              <a:noFill/>
+              <a:ln w="22225">
+                <a:solidFill>
+                  <a:srgbClr val="000000"/>
+                </a:solidFill>
+                <a:round/>
+                <a:headEnd/>
+                <a:tailEnd/>
+              </a:ln>
+              <a:extLst>
+                <a:ext uri="{909E8E84-426E-40DD-AFC4-6F175D3DCCD1}">
+                  <a14:hiddenFill xmlns:a14="http://schemas.microsoft.com/office/drawing/2010/main">
+                    <a:solidFill>
+                      <a:srgbClr val="FFFFFF"/>
+                    </a:solidFill>
+                  </a14:hiddenFill>
+                </a:ext>
+              </a:extLst>
+            </p:spPr>
+            <p:txBody>
+              <a:bodyPr rot="0" vert="horz" wrap="square" lIns="91440" tIns="45720" rIns="91440" bIns="45720" anchor="t" anchorCtr="0" upright="1">
+                <a:noAutofit/>
+              </a:bodyPr>
+              <a:lstStyle/>
+              <a:p>
+                <a:endParaRPr lang="zh-CN" altLang="en-US"/>
+              </a:p>
+            </p:txBody>
+          </p:sp>
+          <p:sp>
+            <p:nvSpPr>
+              <p:cNvPr id="36" name="椭圆 35">
+                <a:extLst>
+                  <a:ext uri="{FF2B5EF4-FFF2-40B4-BE49-F238E27FC236}">
+                    <a16:creationId xmlns:a16="http://schemas.microsoft.com/office/drawing/2014/main" id="{D26BE5A1-C7A6-104C-A1F4-5F09DA8FC0FA}"/>
+                  </a:ext>
+                </a:extLst>
+              </p:cNvPr>
+              <p:cNvSpPr>
+                <a:spLocks noChangeArrowheads="1"/>
+              </p:cNvSpPr>
+              <p:nvPr/>
+            </p:nvSpPr>
+            <p:spPr bwMode="auto">
+              <a:xfrm>
+                <a:off x="5756" y="1796"/>
+                <a:ext cx="645" cy="630"/>
+              </a:xfrm>
+              <a:prstGeom prst="ellipse">
+                <a:avLst/>
+              </a:prstGeom>
+              <a:noFill/>
+              <a:ln w="22225">
+                <a:solidFill>
+                  <a:srgbClr val="000000"/>
+                </a:solidFill>
+                <a:round/>
+                <a:headEnd/>
+                <a:tailEnd/>
+              </a:ln>
+              <a:extLst>
+                <a:ext uri="{909E8E84-426E-40DD-AFC4-6F175D3DCCD1}">
+                  <a14:hiddenFill xmlns:a14="http://schemas.microsoft.com/office/drawing/2010/main">
+                    <a:solidFill>
+                      <a:srgbClr val="FFFFFF"/>
+                    </a:solidFill>
+                  </a14:hiddenFill>
+                </a:ext>
+              </a:extLst>
+            </p:spPr>
+            <p:txBody>
+              <a:bodyPr rot="0" vert="horz" wrap="square" lIns="91440" tIns="45720" rIns="91440" bIns="45720" anchor="t" anchorCtr="0" upright="1">
+                <a:noAutofit/>
+              </a:bodyPr>
+              <a:lstStyle/>
+              <a:p>
+                <a:endParaRPr lang="zh-CN" altLang="en-US"/>
+              </a:p>
+            </p:txBody>
+          </p:sp>
+          <p:sp>
+            <p:nvSpPr>
+              <p:cNvPr id="37" name="椭圆 36">
+                <a:extLst>
+                  <a:ext uri="{FF2B5EF4-FFF2-40B4-BE49-F238E27FC236}">
+                    <a16:creationId xmlns:a16="http://schemas.microsoft.com/office/drawing/2014/main" id="{3C851012-AE82-D04A-90CA-9AAC300706C6}"/>
+                  </a:ext>
+                </a:extLst>
+              </p:cNvPr>
+              <p:cNvSpPr>
+                <a:spLocks noChangeArrowheads="1"/>
+              </p:cNvSpPr>
+              <p:nvPr/>
+            </p:nvSpPr>
+            <p:spPr bwMode="auto">
+              <a:xfrm>
+                <a:off x="6611" y="1781"/>
+                <a:ext cx="645" cy="630"/>
+              </a:xfrm>
+              <a:prstGeom prst="ellipse">
+                <a:avLst/>
+              </a:prstGeom>
+              <a:noFill/>
+              <a:ln w="22225">
+                <a:solidFill>
+                  <a:srgbClr val="000000"/>
+                </a:solidFill>
+                <a:round/>
+                <a:headEnd/>
+                <a:tailEnd/>
+              </a:ln>
+              <a:extLst>
+                <a:ext uri="{909E8E84-426E-40DD-AFC4-6F175D3DCCD1}">
+                  <a14:hiddenFill xmlns:a14="http://schemas.microsoft.com/office/drawing/2010/main">
+                    <a:solidFill>
+                      <a:srgbClr val="FFFFFF"/>
+                    </a:solidFill>
+                  </a14:hiddenFill>
+                </a:ext>
+              </a:extLst>
+            </p:spPr>
+            <p:txBody>
+              <a:bodyPr rot="0" vert="horz" wrap="square" lIns="91440" tIns="45720" rIns="91440" bIns="45720" anchor="t" anchorCtr="0" upright="1">
+                <a:noAutofit/>
+              </a:bodyPr>
+              <a:lstStyle/>
+              <a:p>
+                <a:endParaRPr lang="zh-CN" altLang="en-US"/>
+              </a:p>
+            </p:txBody>
+          </p:sp>
+          <p:sp>
+            <p:nvSpPr>
+              <p:cNvPr id="38" name="椭圆 37">
+                <a:extLst>
+                  <a:ext uri="{FF2B5EF4-FFF2-40B4-BE49-F238E27FC236}">
+                    <a16:creationId xmlns:a16="http://schemas.microsoft.com/office/drawing/2014/main" id="{37F4BBB9-8413-594A-AF48-56ACE8D622A7}"/>
+                  </a:ext>
+                </a:extLst>
+              </p:cNvPr>
+              <p:cNvSpPr>
+                <a:spLocks noChangeArrowheads="1"/>
+              </p:cNvSpPr>
+              <p:nvPr/>
+            </p:nvSpPr>
+            <p:spPr bwMode="auto">
+              <a:xfrm>
+                <a:off x="4888" y="2518"/>
+                <a:ext cx="645" cy="630"/>
+              </a:xfrm>
+              <a:prstGeom prst="ellipse">
+                <a:avLst/>
+              </a:prstGeom>
+              <a:noFill/>
+              <a:ln w="22225">
+                <a:solidFill>
+                  <a:srgbClr val="000000"/>
+                </a:solidFill>
+                <a:round/>
+                <a:headEnd/>
+                <a:tailEnd/>
+              </a:ln>
+              <a:extLst>
+                <a:ext uri="{909E8E84-426E-40DD-AFC4-6F175D3DCCD1}">
+                  <a14:hiddenFill xmlns:a14="http://schemas.microsoft.com/office/drawing/2010/main">
+                    <a:solidFill>
+                      <a:srgbClr val="FFFFFF"/>
+                    </a:solidFill>
+                  </a14:hiddenFill>
+                </a:ext>
+              </a:extLst>
+            </p:spPr>
+            <p:txBody>
+              <a:bodyPr rot="0" vert="horz" wrap="square" lIns="91440" tIns="45720" rIns="91440" bIns="45720" anchor="t" anchorCtr="0" upright="1">
+                <a:noAutofit/>
+              </a:bodyPr>
+              <a:lstStyle/>
+              <a:p>
+                <a:endParaRPr lang="zh-CN" altLang="en-US"/>
+              </a:p>
+            </p:txBody>
+          </p:sp>
+          <p:sp>
+            <p:nvSpPr>
+              <p:cNvPr id="39" name="椭圆 38">
+                <a:extLst>
+                  <a:ext uri="{FF2B5EF4-FFF2-40B4-BE49-F238E27FC236}">
+                    <a16:creationId xmlns:a16="http://schemas.microsoft.com/office/drawing/2014/main" id="{6F32CAF8-9A0C-D14D-AE9F-37049FA8D0AA}"/>
+                  </a:ext>
+                </a:extLst>
+              </p:cNvPr>
+              <p:cNvSpPr>
+                <a:spLocks noChangeArrowheads="1"/>
+              </p:cNvSpPr>
+              <p:nvPr/>
+            </p:nvSpPr>
+            <p:spPr bwMode="auto">
+              <a:xfrm>
+                <a:off x="5741" y="2518"/>
+                <a:ext cx="645" cy="630"/>
+              </a:xfrm>
+              <a:prstGeom prst="ellipse">
+                <a:avLst/>
+              </a:prstGeom>
+              <a:noFill/>
+              <a:ln w="22225">
+                <a:solidFill>
+                  <a:srgbClr val="000000"/>
+                </a:solidFill>
+                <a:round/>
+                <a:headEnd/>
+                <a:tailEnd/>
+              </a:ln>
+              <a:extLst>
+                <a:ext uri="{909E8E84-426E-40DD-AFC4-6F175D3DCCD1}">
+                  <a14:hiddenFill xmlns:a14="http://schemas.microsoft.com/office/drawing/2010/main">
+                    <a:solidFill>
+                      <a:srgbClr val="FFFFFF"/>
+                    </a:solidFill>
+                  </a14:hiddenFill>
+                </a:ext>
+              </a:extLst>
+            </p:spPr>
+            <p:txBody>
+              <a:bodyPr rot="0" vert="horz" wrap="square" lIns="91440" tIns="45720" rIns="91440" bIns="45720" anchor="t" anchorCtr="0" upright="1">
+                <a:noAutofit/>
+              </a:bodyPr>
+              <a:lstStyle/>
+              <a:p>
+                <a:endParaRPr lang="zh-CN" altLang="en-US"/>
+              </a:p>
+            </p:txBody>
+          </p:sp>
+          <p:sp>
+            <p:nvSpPr>
+              <p:cNvPr id="40" name="椭圆 39">
+                <a:extLst>
+                  <a:ext uri="{FF2B5EF4-FFF2-40B4-BE49-F238E27FC236}">
+                    <a16:creationId xmlns:a16="http://schemas.microsoft.com/office/drawing/2014/main" id="{910B6589-83DA-3845-AA64-8E31250BCFA3}"/>
+                  </a:ext>
+                </a:extLst>
+              </p:cNvPr>
+              <p:cNvSpPr>
+                <a:spLocks noChangeArrowheads="1"/>
+              </p:cNvSpPr>
+              <p:nvPr/>
+            </p:nvSpPr>
+            <p:spPr bwMode="auto">
+              <a:xfrm>
+                <a:off x="6596" y="2503"/>
+                <a:ext cx="645" cy="630"/>
+              </a:xfrm>
+              <a:prstGeom prst="ellipse">
+                <a:avLst/>
+              </a:prstGeom>
+              <a:noFill/>
+              <a:ln w="22225">
+                <a:solidFill>
+                  <a:srgbClr val="000000"/>
+                </a:solidFill>
+                <a:round/>
+                <a:headEnd/>
+                <a:tailEnd/>
+              </a:ln>
+              <a:extLst>
+                <a:ext uri="{909E8E84-426E-40DD-AFC4-6F175D3DCCD1}">
+                  <a14:hiddenFill xmlns:a14="http://schemas.microsoft.com/office/drawing/2010/main">
+                    <a:solidFill>
+                      <a:srgbClr val="FFFFFF"/>
+                    </a:solidFill>
+                  </a14:hiddenFill>
+                </a:ext>
+              </a:extLst>
+            </p:spPr>
+            <p:txBody>
+              <a:bodyPr rot="0" vert="horz" wrap="square" lIns="91440" tIns="45720" rIns="91440" bIns="45720" anchor="t" anchorCtr="0" upright="1">
+                <a:noAutofit/>
+              </a:bodyPr>
+              <a:lstStyle/>
+              <a:p>
+                <a:endParaRPr lang="zh-CN" altLang="en-US"/>
+              </a:p>
+            </p:txBody>
+          </p:sp>
+          <p:sp>
+            <p:nvSpPr>
+              <p:cNvPr id="41" name="椭圆 40">
+                <a:extLst>
+                  <a:ext uri="{FF2B5EF4-FFF2-40B4-BE49-F238E27FC236}">
+                    <a16:creationId xmlns:a16="http://schemas.microsoft.com/office/drawing/2014/main" id="{EA006D59-0087-9B41-AAD4-C84DB9C21737}"/>
+                  </a:ext>
+                </a:extLst>
+              </p:cNvPr>
+              <p:cNvSpPr>
+                <a:spLocks noChangeArrowheads="1"/>
+              </p:cNvSpPr>
+              <p:nvPr/>
+            </p:nvSpPr>
+            <p:spPr bwMode="auto">
+              <a:xfrm>
+                <a:off x="4903" y="3223"/>
+                <a:ext cx="645" cy="630"/>
+              </a:xfrm>
+              <a:prstGeom prst="ellipse">
+                <a:avLst/>
+              </a:prstGeom>
+              <a:noFill/>
+              <a:ln w="22225">
+                <a:solidFill>
+                  <a:srgbClr val="000000"/>
+                </a:solidFill>
+                <a:round/>
+                <a:headEnd/>
+                <a:tailEnd/>
+              </a:ln>
+              <a:extLst>
+                <a:ext uri="{909E8E84-426E-40DD-AFC4-6F175D3DCCD1}">
+                  <a14:hiddenFill xmlns:a14="http://schemas.microsoft.com/office/drawing/2010/main">
+                    <a:solidFill>
+                      <a:srgbClr val="FFFFFF"/>
+                    </a:solidFill>
+                  </a14:hiddenFill>
+                </a:ext>
+              </a:extLst>
+            </p:spPr>
+            <p:txBody>
+              <a:bodyPr rot="0" vert="horz" wrap="square" lIns="91440" tIns="45720" rIns="91440" bIns="45720" anchor="t" anchorCtr="0" upright="1">
+                <a:noAutofit/>
+              </a:bodyPr>
+              <a:lstStyle/>
+              <a:p>
+                <a:endParaRPr lang="zh-CN" altLang="en-US"/>
+              </a:p>
+            </p:txBody>
+          </p:sp>
+          <p:sp>
+            <p:nvSpPr>
+              <p:cNvPr id="42" name="椭圆 41">
+                <a:extLst>
+                  <a:ext uri="{FF2B5EF4-FFF2-40B4-BE49-F238E27FC236}">
+                    <a16:creationId xmlns:a16="http://schemas.microsoft.com/office/drawing/2014/main" id="{DCB60565-B845-B942-A5EA-347ABB10E8FD}"/>
+                  </a:ext>
+                </a:extLst>
+              </p:cNvPr>
+              <p:cNvSpPr>
+                <a:spLocks noChangeArrowheads="1"/>
+              </p:cNvSpPr>
+              <p:nvPr/>
+            </p:nvSpPr>
+            <p:spPr bwMode="auto">
+              <a:xfrm>
+                <a:off x="5756" y="3223"/>
+                <a:ext cx="645" cy="630"/>
+              </a:xfrm>
+              <a:prstGeom prst="ellipse">
+                <a:avLst/>
+              </a:prstGeom>
+              <a:noFill/>
+              <a:ln w="22225">
+                <a:solidFill>
+                  <a:srgbClr val="000000"/>
+                </a:solidFill>
+                <a:round/>
+                <a:headEnd/>
+                <a:tailEnd/>
+              </a:ln>
+              <a:extLst>
+                <a:ext uri="{909E8E84-426E-40DD-AFC4-6F175D3DCCD1}">
+                  <a14:hiddenFill xmlns:a14="http://schemas.microsoft.com/office/drawing/2010/main">
+                    <a:solidFill>
+                      <a:srgbClr val="FFFFFF"/>
+                    </a:solidFill>
+                  </a14:hiddenFill>
+                </a:ext>
+              </a:extLst>
+            </p:spPr>
+            <p:txBody>
+              <a:bodyPr rot="0" vert="horz" wrap="square" lIns="91440" tIns="45720" rIns="91440" bIns="45720" anchor="t" anchorCtr="0" upright="1">
+                <a:noAutofit/>
+              </a:bodyPr>
+              <a:lstStyle/>
+              <a:p>
+                <a:endParaRPr lang="zh-CN" altLang="en-US"/>
+              </a:p>
+            </p:txBody>
+          </p:sp>
+          <p:sp>
+            <p:nvSpPr>
+              <p:cNvPr id="43" name="椭圆 42">
+                <a:extLst>
+                  <a:ext uri="{FF2B5EF4-FFF2-40B4-BE49-F238E27FC236}">
+                    <a16:creationId xmlns:a16="http://schemas.microsoft.com/office/drawing/2014/main" id="{E41CFC96-7CC6-2A4E-9DA3-9BB406C38B2A}"/>
+                  </a:ext>
+                </a:extLst>
+              </p:cNvPr>
+              <p:cNvSpPr>
+                <a:spLocks noChangeArrowheads="1"/>
+              </p:cNvSpPr>
+              <p:nvPr/>
+            </p:nvSpPr>
+            <p:spPr bwMode="auto">
+              <a:xfrm>
+                <a:off x="6596" y="3223"/>
+                <a:ext cx="645" cy="630"/>
+              </a:xfrm>
+              <a:prstGeom prst="ellipse">
+                <a:avLst/>
+              </a:prstGeom>
+              <a:noFill/>
+              <a:ln w="22225">
+                <a:solidFill>
+                  <a:srgbClr val="000000"/>
+                </a:solidFill>
+                <a:round/>
+                <a:headEnd/>
+                <a:tailEnd/>
+              </a:ln>
+              <a:extLst>
+                <a:ext uri="{909E8E84-426E-40DD-AFC4-6F175D3DCCD1}">
+                  <a14:hiddenFill xmlns:a14="http://schemas.microsoft.com/office/drawing/2010/main">
+                    <a:solidFill>
+                      <a:srgbClr val="FFFFFF"/>
+                    </a:solidFill>
+                  </a14:hiddenFill>
+                </a:ext>
+              </a:extLst>
+            </p:spPr>
+            <p:txBody>
+              <a:bodyPr rot="0" vert="horz" wrap="square" lIns="91440" tIns="45720" rIns="91440" bIns="45720" anchor="t" anchorCtr="0" upright="1">
+                <a:noAutofit/>
+              </a:bodyPr>
+              <a:lstStyle/>
+              <a:p>
+                <a:endParaRPr lang="zh-CN" altLang="en-US"/>
+              </a:p>
+            </p:txBody>
+          </p:sp>
+          <p:sp>
+            <p:nvSpPr>
+              <p:cNvPr id="44" name="椭圆 43">
+                <a:extLst>
+                  <a:ext uri="{FF2B5EF4-FFF2-40B4-BE49-F238E27FC236}">
+                    <a16:creationId xmlns:a16="http://schemas.microsoft.com/office/drawing/2014/main" id="{4CF2134C-C8EF-EA42-A476-1AB0736F23F0}"/>
+                  </a:ext>
+                </a:extLst>
+              </p:cNvPr>
+              <p:cNvSpPr>
+                <a:spLocks noChangeArrowheads="1"/>
+              </p:cNvSpPr>
+              <p:nvPr/>
+            </p:nvSpPr>
+            <p:spPr bwMode="auto">
+              <a:xfrm>
+                <a:off x="4888" y="3941"/>
+                <a:ext cx="645" cy="630"/>
+              </a:xfrm>
+              <a:prstGeom prst="ellipse">
+                <a:avLst/>
+              </a:prstGeom>
+              <a:noFill/>
+              <a:ln w="22225">
+                <a:solidFill>
+                  <a:srgbClr val="000000"/>
+                </a:solidFill>
+                <a:round/>
+                <a:headEnd/>
+                <a:tailEnd/>
+              </a:ln>
+              <a:extLst>
+                <a:ext uri="{909E8E84-426E-40DD-AFC4-6F175D3DCCD1}">
+                  <a14:hiddenFill xmlns:a14="http://schemas.microsoft.com/office/drawing/2010/main">
+                    <a:solidFill>
+                      <a:srgbClr val="FFFFFF"/>
+                    </a:solidFill>
+                  </a14:hiddenFill>
+                </a:ext>
+              </a:extLst>
+            </p:spPr>
+            <p:txBody>
+              <a:bodyPr rot="0" vert="horz" wrap="square" lIns="91440" tIns="45720" rIns="91440" bIns="45720" anchor="t" anchorCtr="0" upright="1">
+                <a:noAutofit/>
+              </a:bodyPr>
+              <a:lstStyle/>
+              <a:p>
+                <a:endParaRPr lang="zh-CN" altLang="en-US"/>
+              </a:p>
+            </p:txBody>
+          </p:sp>
+          <p:sp>
+            <p:nvSpPr>
+              <p:cNvPr id="45" name="椭圆 44">
+                <a:extLst>
+                  <a:ext uri="{FF2B5EF4-FFF2-40B4-BE49-F238E27FC236}">
+                    <a16:creationId xmlns:a16="http://schemas.microsoft.com/office/drawing/2014/main" id="{86F974DD-222E-3B44-8FFD-63FCC16F75A2}"/>
+                  </a:ext>
+                </a:extLst>
+              </p:cNvPr>
+              <p:cNvSpPr>
+                <a:spLocks noChangeArrowheads="1"/>
+              </p:cNvSpPr>
+              <p:nvPr/>
+            </p:nvSpPr>
+            <p:spPr bwMode="auto">
+              <a:xfrm>
+                <a:off x="5741" y="3941"/>
+                <a:ext cx="645" cy="630"/>
+              </a:xfrm>
+              <a:prstGeom prst="ellipse">
+                <a:avLst/>
+              </a:prstGeom>
+              <a:noFill/>
+              <a:ln w="22225">
+                <a:solidFill>
+                  <a:srgbClr val="000000"/>
+                </a:solidFill>
+                <a:round/>
+                <a:headEnd/>
+                <a:tailEnd/>
+              </a:ln>
+              <a:extLst>
+                <a:ext uri="{909E8E84-426E-40DD-AFC4-6F175D3DCCD1}">
+                  <a14:hiddenFill xmlns:a14="http://schemas.microsoft.com/office/drawing/2010/main">
+                    <a:solidFill>
+                      <a:srgbClr val="FFFFFF"/>
+                    </a:solidFill>
+                  </a14:hiddenFill>
+                </a:ext>
+              </a:extLst>
+            </p:spPr>
+            <p:txBody>
+              <a:bodyPr rot="0" vert="horz" wrap="square" lIns="91440" tIns="45720" rIns="91440" bIns="45720" anchor="t" anchorCtr="0" upright="1">
+                <a:noAutofit/>
+              </a:bodyPr>
+              <a:lstStyle/>
+              <a:p>
+                <a:endParaRPr lang="zh-CN" altLang="en-US"/>
+              </a:p>
+            </p:txBody>
+          </p:sp>
+          <p:sp>
+            <p:nvSpPr>
+              <p:cNvPr id="46" name="椭圆 45">
+                <a:extLst>
+                  <a:ext uri="{FF2B5EF4-FFF2-40B4-BE49-F238E27FC236}">
+                    <a16:creationId xmlns:a16="http://schemas.microsoft.com/office/drawing/2014/main" id="{5765CAF1-B032-534E-AF9C-28BC7D39BAB4}"/>
+                  </a:ext>
+                </a:extLst>
+              </p:cNvPr>
+              <p:cNvSpPr>
+                <a:spLocks noChangeArrowheads="1"/>
+              </p:cNvSpPr>
+              <p:nvPr/>
+            </p:nvSpPr>
+            <p:spPr bwMode="auto">
+              <a:xfrm>
+                <a:off x="6596" y="3926"/>
+                <a:ext cx="645" cy="630"/>
+              </a:xfrm>
+              <a:prstGeom prst="ellipse">
+                <a:avLst/>
+              </a:prstGeom>
+              <a:noFill/>
+              <a:ln w="22225">
+                <a:solidFill>
+                  <a:srgbClr val="000000"/>
+                </a:solidFill>
+                <a:round/>
+                <a:headEnd/>
+                <a:tailEnd/>
+              </a:ln>
+              <a:extLst>
+                <a:ext uri="{909E8E84-426E-40DD-AFC4-6F175D3DCCD1}">
+                  <a14:hiddenFill xmlns:a14="http://schemas.microsoft.com/office/drawing/2010/main">
+                    <a:solidFill>
+                      <a:srgbClr val="FFFFFF"/>
+                    </a:solidFill>
+                  </a14:hiddenFill>
+                </a:ext>
+              </a:extLst>
+            </p:spPr>
+            <p:txBody>
+              <a:bodyPr rot="0" vert="horz" wrap="square" lIns="91440" tIns="45720" rIns="91440" bIns="45720" anchor="t" anchorCtr="0" upright="1">
+                <a:noAutofit/>
+              </a:bodyPr>
+              <a:lstStyle/>
+              <a:p>
+                <a:endParaRPr lang="zh-CN" altLang="en-US"/>
+              </a:p>
+            </p:txBody>
+          </p:sp>
+          <p:sp>
+            <p:nvSpPr>
+              <p:cNvPr id="47" name="椭圆 46">
+                <a:extLst>
+                  <a:ext uri="{FF2B5EF4-FFF2-40B4-BE49-F238E27FC236}">
+                    <a16:creationId xmlns:a16="http://schemas.microsoft.com/office/drawing/2014/main" id="{2CE61B00-8C2E-424C-B5D0-9DC91291F75F}"/>
+                  </a:ext>
+                </a:extLst>
+              </p:cNvPr>
+              <p:cNvSpPr>
+                <a:spLocks noChangeArrowheads="1"/>
+              </p:cNvSpPr>
+              <p:nvPr/>
+            </p:nvSpPr>
+            <p:spPr bwMode="auto">
+              <a:xfrm>
+                <a:off x="4903" y="4659"/>
+                <a:ext cx="645" cy="630"/>
+              </a:xfrm>
+              <a:prstGeom prst="ellipse">
+                <a:avLst/>
+              </a:prstGeom>
+              <a:noFill/>
+              <a:ln w="22225">
+                <a:solidFill>
+                  <a:srgbClr val="000000"/>
+                </a:solidFill>
+                <a:round/>
+                <a:headEnd/>
+                <a:tailEnd/>
+              </a:ln>
+              <a:extLst>
+                <a:ext uri="{909E8E84-426E-40DD-AFC4-6F175D3DCCD1}">
+                  <a14:hiddenFill xmlns:a14="http://schemas.microsoft.com/office/drawing/2010/main">
+                    <a:solidFill>
+                      <a:srgbClr val="FFFFFF"/>
+                    </a:solidFill>
+                  </a14:hiddenFill>
+                </a:ext>
+              </a:extLst>
+            </p:spPr>
+            <p:txBody>
+              <a:bodyPr rot="0" vert="horz" wrap="square" lIns="91440" tIns="45720" rIns="91440" bIns="45720" anchor="t" anchorCtr="0" upright="1">
+                <a:noAutofit/>
+              </a:bodyPr>
+              <a:lstStyle/>
+              <a:p>
+                <a:endParaRPr lang="zh-CN" altLang="en-US"/>
+              </a:p>
+            </p:txBody>
+          </p:sp>
+          <p:sp>
+            <p:nvSpPr>
+              <p:cNvPr id="48" name="椭圆 47">
+                <a:extLst>
+                  <a:ext uri="{FF2B5EF4-FFF2-40B4-BE49-F238E27FC236}">
+                    <a16:creationId xmlns:a16="http://schemas.microsoft.com/office/drawing/2014/main" id="{C2BBD82C-2738-B24B-8EAE-F0EF43CDC73E}"/>
+                  </a:ext>
+                </a:extLst>
+              </p:cNvPr>
+              <p:cNvSpPr>
+                <a:spLocks noChangeArrowheads="1"/>
+              </p:cNvSpPr>
+              <p:nvPr/>
+            </p:nvSpPr>
+            <p:spPr bwMode="auto">
+              <a:xfrm>
+                <a:off x="5756" y="4659"/>
+                <a:ext cx="645" cy="630"/>
+              </a:xfrm>
+              <a:prstGeom prst="ellipse">
+                <a:avLst/>
+              </a:prstGeom>
+              <a:noFill/>
+              <a:ln w="22225">
+                <a:solidFill>
+                  <a:srgbClr val="000000"/>
+                </a:solidFill>
+                <a:round/>
+                <a:headEnd/>
+                <a:tailEnd/>
+              </a:ln>
+              <a:extLst>
+                <a:ext uri="{909E8E84-426E-40DD-AFC4-6F175D3DCCD1}">
+                  <a14:hiddenFill xmlns:a14="http://schemas.microsoft.com/office/drawing/2010/main">
+                    <a:solidFill>
+                      <a:srgbClr val="FFFFFF"/>
+                    </a:solidFill>
+                  </a14:hiddenFill>
+                </a:ext>
+              </a:extLst>
+            </p:spPr>
+            <p:txBody>
+              <a:bodyPr rot="0" vert="horz" wrap="square" lIns="91440" tIns="45720" rIns="91440" bIns="45720" anchor="t" anchorCtr="0" upright="1">
+                <a:noAutofit/>
+              </a:bodyPr>
+              <a:lstStyle/>
+              <a:p>
+                <a:endParaRPr lang="zh-CN" altLang="en-US"/>
+              </a:p>
+            </p:txBody>
+          </p:sp>
+          <p:sp>
+            <p:nvSpPr>
+              <p:cNvPr id="49" name="椭圆 48">
+                <a:extLst>
+                  <a:ext uri="{FF2B5EF4-FFF2-40B4-BE49-F238E27FC236}">
+                    <a16:creationId xmlns:a16="http://schemas.microsoft.com/office/drawing/2014/main" id="{2B2CAF04-B194-A446-87C0-61BF4476B2E4}"/>
+                  </a:ext>
+                </a:extLst>
+              </p:cNvPr>
+              <p:cNvSpPr>
+                <a:spLocks noChangeArrowheads="1"/>
+              </p:cNvSpPr>
+              <p:nvPr/>
+            </p:nvSpPr>
+            <p:spPr bwMode="auto">
+              <a:xfrm>
+                <a:off x="6611" y="4659"/>
+                <a:ext cx="645" cy="630"/>
+              </a:xfrm>
+              <a:prstGeom prst="ellipse">
+                <a:avLst/>
+              </a:prstGeom>
+              <a:noFill/>
+              <a:ln w="22225">
+                <a:solidFill>
+                  <a:srgbClr val="000000"/>
+                </a:solidFill>
+                <a:round/>
+                <a:headEnd/>
+                <a:tailEnd/>
+              </a:ln>
+              <a:extLst>
+                <a:ext uri="{909E8E84-426E-40DD-AFC4-6F175D3DCCD1}">
+                  <a14:hiddenFill xmlns:a14="http://schemas.microsoft.com/office/drawing/2010/main">
+                    <a:solidFill>
+                      <a:srgbClr val="FFFFFF"/>
+                    </a:solidFill>
+                  </a14:hiddenFill>
+                </a:ext>
+              </a:extLst>
+            </p:spPr>
+            <p:txBody>
+              <a:bodyPr rot="0" vert="horz" wrap="square" lIns="91440" tIns="45720" rIns="91440" bIns="45720" anchor="t" anchorCtr="0" upright="1">
+                <a:noAutofit/>
+              </a:bodyPr>
+              <a:lstStyle/>
+              <a:p>
+                <a:endParaRPr lang="zh-CN" altLang="en-US"/>
+              </a:p>
+            </p:txBody>
+          </p:sp>
+        </p:grpSp>
+        <p:sp>
+          <p:nvSpPr>
+            <p:cNvPr id="50" name="圆角矩形 49">
+              <a:extLst>
+                <a:ext uri="{FF2B5EF4-FFF2-40B4-BE49-F238E27FC236}">
+                  <a16:creationId xmlns:a16="http://schemas.microsoft.com/office/drawing/2014/main" id="{7596E997-8214-6545-83FC-0EB10989157D}"/>
+                </a:ext>
+              </a:extLst>
+            </p:cNvPr>
+            <p:cNvSpPr/>
+            <p:nvPr/>
+          </p:nvSpPr>
+          <p:spPr>
+            <a:xfrm>
+              <a:off x="4397358" y="2025942"/>
+              <a:ext cx="352133" cy="313432"/>
+            </a:xfrm>
+            <a:prstGeom prst="roundRect">
+              <a:avLst/>
+            </a:prstGeom>
+            <a:noFill/>
+            <a:ln w="38100">
+              <a:solidFill>
+                <a:schemeClr val="tx1"/>
+              </a:solidFill>
+            </a:ln>
+          </p:spPr>
+          <p:style>
+            <a:lnRef idx="2">
+              <a:schemeClr val="accent1">
+                <a:shade val="50000"/>
+              </a:schemeClr>
+            </a:lnRef>
+            <a:fillRef idx="1">
+              <a:schemeClr val="accent1"/>
+            </a:fillRef>
+            <a:effectRef idx="0">
+              <a:schemeClr val="accent1"/>
+            </a:effectRef>
+            <a:fontRef idx="minor">
+              <a:schemeClr val="lt1"/>
+            </a:fontRef>
+          </p:style>
+          <p:txBody>
+            <a:bodyPr rtlCol="0" anchor="ctr"/>
+            <a:lstStyle/>
+            <a:p>
+              <a:pPr algn="ctr"/>
+              <a:endParaRPr lang="zh-CN" altLang="en-US"/>
+            </a:p>
+          </p:txBody>
+        </p:sp>
+        <p:sp>
+          <p:nvSpPr>
+            <p:cNvPr id="51" name="圆角矩形 50">
+              <a:extLst>
+                <a:ext uri="{FF2B5EF4-FFF2-40B4-BE49-F238E27FC236}">
+                  <a16:creationId xmlns:a16="http://schemas.microsoft.com/office/drawing/2014/main" id="{23B1BAAC-D886-FE4A-9E02-E88DA77A8129}"/>
+                </a:ext>
+              </a:extLst>
+            </p:cNvPr>
+            <p:cNvSpPr/>
+            <p:nvPr/>
+          </p:nvSpPr>
+          <p:spPr>
+            <a:xfrm>
+              <a:off x="5068936" y="2004442"/>
+              <a:ext cx="404018" cy="337972"/>
+            </a:xfrm>
+            <a:prstGeom prst="roundRect">
+              <a:avLst/>
+            </a:prstGeom>
+            <a:noFill/>
+            <a:ln w="38100">
+              <a:solidFill>
+                <a:schemeClr val="tx1"/>
+              </a:solidFill>
+            </a:ln>
+          </p:spPr>
+          <p:style>
+            <a:lnRef idx="2">
+              <a:schemeClr val="accent1">
+                <a:shade val="50000"/>
+              </a:schemeClr>
+            </a:lnRef>
+            <a:fillRef idx="1">
+              <a:schemeClr val="accent1"/>
+            </a:fillRef>
+            <a:effectRef idx="0">
+              <a:schemeClr val="accent1"/>
+            </a:effectRef>
+            <a:fontRef idx="minor">
+              <a:schemeClr val="lt1"/>
+            </a:fontRef>
+          </p:style>
+          <p:txBody>
+            <a:bodyPr rtlCol="0" anchor="ctr"/>
+            <a:lstStyle/>
+            <a:p>
+              <a:pPr algn="ctr"/>
+              <a:endParaRPr lang="zh-CN" altLang="en-US"/>
+            </a:p>
+          </p:txBody>
+        </p:sp>
+        <p:cxnSp>
+          <p:nvCxnSpPr>
+            <p:cNvPr id="52" name="直接连接符 7">
+              <a:extLst>
+                <a:ext uri="{FF2B5EF4-FFF2-40B4-BE49-F238E27FC236}">
+                  <a16:creationId xmlns:a16="http://schemas.microsoft.com/office/drawing/2014/main" id="{F492D12A-7FF6-784E-AC88-0561B8BFB4B4}"/>
+                </a:ext>
+              </a:extLst>
+            </p:cNvPr>
+            <p:cNvCxnSpPr>
+              <a:cxnSpLocks/>
+              <a:stCxn id="50" idx="0"/>
+            </p:cNvCxnSpPr>
+            <p:nvPr/>
+          </p:nvCxnSpPr>
+          <p:spPr>
+            <a:xfrm flipH="1" flipV="1">
+              <a:off x="4417397" y="1264998"/>
+              <a:ext cx="156028" cy="760944"/>
+            </a:xfrm>
+            <a:prstGeom prst="line">
+              <a:avLst/>
+            </a:prstGeom>
+            <a:ln>
+              <a:solidFill>
+                <a:schemeClr val="tx1"/>
+              </a:solidFill>
+            </a:ln>
+          </p:spPr>
+          <p:style>
+            <a:lnRef idx="1">
+              <a:schemeClr val="accent1"/>
+            </a:lnRef>
+            <a:fillRef idx="0">
+              <a:schemeClr val="accent1"/>
+            </a:fillRef>
+            <a:effectRef idx="0">
+              <a:schemeClr val="accent1"/>
+            </a:effectRef>
+            <a:fontRef idx="minor">
+              <a:schemeClr val="tx1"/>
+            </a:fontRef>
+          </p:style>
+        </p:cxnSp>
+        <p:cxnSp>
+          <p:nvCxnSpPr>
+            <p:cNvPr id="53" name="直接连接符 9">
+              <a:extLst>
+                <a:ext uri="{FF2B5EF4-FFF2-40B4-BE49-F238E27FC236}">
+                  <a16:creationId xmlns:a16="http://schemas.microsoft.com/office/drawing/2014/main" id="{9136DE8F-B4F7-BA43-8011-68CA844AF64B}"/>
+                </a:ext>
+              </a:extLst>
+            </p:cNvPr>
+            <p:cNvCxnSpPr>
+              <a:cxnSpLocks/>
+              <a:stCxn id="51" idx="0"/>
+              <a:endCxn id="62" idx="2"/>
+            </p:cNvCxnSpPr>
+            <p:nvPr/>
+          </p:nvCxnSpPr>
+          <p:spPr>
+            <a:xfrm flipV="1">
+              <a:off x="5270945" y="1282382"/>
+              <a:ext cx="2218484" cy="722060"/>
+            </a:xfrm>
+            <a:prstGeom prst="line">
+              <a:avLst/>
+            </a:prstGeom>
+            <a:ln>
+              <a:solidFill>
+                <a:schemeClr val="tx1"/>
+              </a:solidFill>
+            </a:ln>
+          </p:spPr>
+          <p:style>
+            <a:lnRef idx="1">
+              <a:schemeClr val="accent1"/>
+            </a:lnRef>
+            <a:fillRef idx="0">
+              <a:schemeClr val="accent1"/>
+            </a:fillRef>
+            <a:effectRef idx="0">
+              <a:schemeClr val="accent1"/>
+            </a:effectRef>
+            <a:fontRef idx="minor">
+              <a:schemeClr val="tx1"/>
+            </a:fontRef>
+          </p:style>
+        </p:cxnSp>
+        <p:sp>
+          <p:nvSpPr>
+            <p:cNvPr id="54" name="文本框 53">
+              <a:extLst>
+                <a:ext uri="{FF2B5EF4-FFF2-40B4-BE49-F238E27FC236}">
+                  <a16:creationId xmlns:a16="http://schemas.microsoft.com/office/drawing/2014/main" id="{1B8A85D2-F1DF-3A4B-AC84-33B9175CE481}"/>
+                </a:ext>
+              </a:extLst>
+            </p:cNvPr>
+            <p:cNvSpPr txBox="1"/>
+            <p:nvPr/>
+          </p:nvSpPr>
+          <p:spPr>
+            <a:xfrm>
+              <a:off x="3736207" y="625297"/>
+              <a:ext cx="1463609" cy="707886"/>
+            </a:xfrm>
+            <a:prstGeom prst="rect">
+              <a:avLst/>
+            </a:prstGeom>
+            <a:noFill/>
+          </p:spPr>
+          <p:txBody>
+            <a:bodyPr wrap="square" rtlCol="0">
+              <a:spAutoFit/>
+            </a:bodyPr>
+            <a:lstStyle/>
+            <a:p>
+              <a:pPr algn="ctr"/>
+              <a:r>
+                <a:rPr lang="en" altLang="zh-CN" sz="2000" dirty="0">
+                  <a:latin typeface="Times New Roman" panose="02020603050405020304" pitchFamily="18" charset="0"/>
+                  <a:cs typeface="Times New Roman" panose="02020603050405020304" pitchFamily="18" charset="0"/>
+                </a:rPr>
+                <a:t>Select Phase Modulation</a:t>
+              </a:r>
+              <a:endParaRPr lang="zh-CN" altLang="en-US" sz="2000" dirty="0">
+                <a:latin typeface="Times New Roman" panose="02020603050405020304" pitchFamily="18" charset="0"/>
+                <a:cs typeface="Times New Roman" panose="02020603050405020304" pitchFamily="18" charset="0"/>
+              </a:endParaRPr>
+            </a:p>
+          </p:txBody>
+        </p:sp>
+        <p:sp>
+          <p:nvSpPr>
+            <p:cNvPr id="56" name="L 形 55">
+              <a:extLst>
+                <a:ext uri="{FF2B5EF4-FFF2-40B4-BE49-F238E27FC236}">
+                  <a16:creationId xmlns:a16="http://schemas.microsoft.com/office/drawing/2014/main" id="{358D2D25-8F53-F64B-BD2C-5DB033201BD3}"/>
+                </a:ext>
+              </a:extLst>
+            </p:cNvPr>
+            <p:cNvSpPr/>
+            <p:nvPr/>
+          </p:nvSpPr>
+          <p:spPr>
+            <a:xfrm>
+              <a:off x="4295745" y="2991801"/>
+              <a:ext cx="1227427" cy="1564641"/>
+            </a:xfrm>
+            <a:prstGeom prst="corner">
+              <a:avLst>
+                <a:gd name="adj1" fmla="val 99751"/>
+                <a:gd name="adj2" fmla="val 33904"/>
+              </a:avLst>
+            </a:prstGeom>
+            <a:noFill/>
+            <a:ln w="38100">
+              <a:solidFill>
+                <a:srgbClr val="FF0000"/>
+              </a:solidFill>
+            </a:ln>
+          </p:spPr>
+          <p:style>
+            <a:lnRef idx="2">
+              <a:schemeClr val="accent1">
+                <a:shade val="50000"/>
+              </a:schemeClr>
+            </a:lnRef>
+            <a:fillRef idx="1">
+              <a:schemeClr val="accent1"/>
+            </a:fillRef>
+            <a:effectRef idx="0">
+              <a:schemeClr val="accent1"/>
+            </a:effectRef>
+            <a:fontRef idx="minor">
+              <a:schemeClr val="lt1"/>
+            </a:fontRef>
+          </p:style>
+          <p:txBody>
+            <a:bodyPr rtlCol="0" anchor="ctr"/>
+            <a:lstStyle/>
+            <a:p>
+              <a:pPr algn="ctr"/>
+              <a:endParaRPr lang="zh-CN" altLang="en-US"/>
+            </a:p>
+          </p:txBody>
+        </p:sp>
+        <p:cxnSp>
+          <p:nvCxnSpPr>
+            <p:cNvPr id="57" name="直接连接符 18">
+              <a:extLst>
+                <a:ext uri="{FF2B5EF4-FFF2-40B4-BE49-F238E27FC236}">
+                  <a16:creationId xmlns:a16="http://schemas.microsoft.com/office/drawing/2014/main" id="{D247363A-CEA3-6648-B1E5-4C76213DAB8B}"/>
+                </a:ext>
+              </a:extLst>
+            </p:cNvPr>
+            <p:cNvCxnSpPr>
+              <a:cxnSpLocks/>
+              <a:stCxn id="68" idx="0"/>
+            </p:cNvCxnSpPr>
+            <p:nvPr/>
+          </p:nvCxnSpPr>
+          <p:spPr>
+            <a:xfrm flipH="1" flipV="1">
+              <a:off x="4954270" y="4546283"/>
+              <a:ext cx="1141730" cy="918208"/>
+            </a:xfrm>
+            <a:prstGeom prst="line">
+              <a:avLst/>
+            </a:prstGeom>
+            <a:ln>
+              <a:solidFill>
+                <a:srgbClr val="FF0000"/>
+              </a:solidFill>
+            </a:ln>
+          </p:spPr>
+          <p:style>
+            <a:lnRef idx="1">
+              <a:schemeClr val="accent1"/>
+            </a:lnRef>
+            <a:fillRef idx="0">
+              <a:schemeClr val="accent1"/>
+            </a:fillRef>
+            <a:effectRef idx="0">
+              <a:schemeClr val="accent1"/>
+            </a:effectRef>
+            <a:fontRef idx="minor">
+              <a:schemeClr val="tx1"/>
+            </a:fontRef>
+          </p:style>
+        </p:cxnSp>
+        <p:sp>
+          <p:nvSpPr>
+            <p:cNvPr id="59" name="L 形 58">
+              <a:extLst>
+                <a:ext uri="{FF2B5EF4-FFF2-40B4-BE49-F238E27FC236}">
+                  <a16:creationId xmlns:a16="http://schemas.microsoft.com/office/drawing/2014/main" id="{73742FCF-5002-6B4F-9A55-D0B708C27434}"/>
+                </a:ext>
+              </a:extLst>
+            </p:cNvPr>
+            <p:cNvSpPr/>
+            <p:nvPr/>
+          </p:nvSpPr>
+          <p:spPr>
+            <a:xfrm>
+              <a:off x="6525491" y="3109912"/>
+              <a:ext cx="1573446" cy="1842769"/>
+            </a:xfrm>
+            <a:prstGeom prst="corner">
+              <a:avLst>
+                <a:gd name="adj1" fmla="val 88676"/>
+                <a:gd name="adj2" fmla="val 33904"/>
+              </a:avLst>
+            </a:prstGeom>
+            <a:noFill/>
+            <a:ln w="38100">
+              <a:solidFill>
+                <a:srgbClr val="FF0000"/>
+              </a:solidFill>
+            </a:ln>
+          </p:spPr>
+          <p:style>
+            <a:lnRef idx="2">
+              <a:schemeClr val="accent1">
+                <a:shade val="50000"/>
+              </a:schemeClr>
+            </a:lnRef>
+            <a:fillRef idx="1">
+              <a:schemeClr val="accent1"/>
+            </a:fillRef>
+            <a:effectRef idx="0">
+              <a:schemeClr val="accent1"/>
+            </a:effectRef>
+            <a:fontRef idx="minor">
+              <a:schemeClr val="lt1"/>
+            </a:fontRef>
+          </p:style>
+          <p:txBody>
+            <a:bodyPr rtlCol="0" anchor="ctr"/>
+            <a:lstStyle/>
+            <a:p>
+              <a:pPr algn="ctr"/>
+              <a:endParaRPr lang="zh-CN" altLang="en-US" dirty="0"/>
+            </a:p>
+          </p:txBody>
+        </p:sp>
+        <p:cxnSp>
+          <p:nvCxnSpPr>
+            <p:cNvPr id="60" name="直接连接符 7">
+              <a:extLst>
+                <a:ext uri="{FF2B5EF4-FFF2-40B4-BE49-F238E27FC236}">
+                  <a16:creationId xmlns:a16="http://schemas.microsoft.com/office/drawing/2014/main" id="{FF3F66C0-E466-4940-8E39-18FD57FE516C}"/>
+                </a:ext>
+              </a:extLst>
+            </p:cNvPr>
+            <p:cNvCxnSpPr>
+              <a:cxnSpLocks/>
+            </p:cNvCxnSpPr>
+            <p:nvPr/>
+          </p:nvCxnSpPr>
+          <p:spPr>
+            <a:xfrm flipH="1" flipV="1">
+              <a:off x="4573424" y="1279236"/>
+              <a:ext cx="2087635" cy="536065"/>
+            </a:xfrm>
+            <a:prstGeom prst="line">
+              <a:avLst/>
+            </a:prstGeom>
+            <a:ln>
+              <a:solidFill>
+                <a:schemeClr val="tx1"/>
+              </a:solidFill>
+            </a:ln>
+          </p:spPr>
+          <p:style>
+            <a:lnRef idx="1">
+              <a:schemeClr val="accent1"/>
+            </a:lnRef>
+            <a:fillRef idx="0">
+              <a:schemeClr val="accent1"/>
+            </a:fillRef>
+            <a:effectRef idx="0">
+              <a:schemeClr val="accent1"/>
+            </a:effectRef>
+            <a:fontRef idx="minor">
+              <a:schemeClr val="tx1"/>
+            </a:fontRef>
+          </p:style>
+        </p:cxnSp>
+        <p:sp>
+          <p:nvSpPr>
+            <p:cNvPr id="62" name="文本框 61">
+              <a:extLst>
+                <a:ext uri="{FF2B5EF4-FFF2-40B4-BE49-F238E27FC236}">
+                  <a16:creationId xmlns:a16="http://schemas.microsoft.com/office/drawing/2014/main" id="{7ECD893C-AF86-B641-B4FC-DE9D0A783C5C}"/>
+                </a:ext>
+              </a:extLst>
+            </p:cNvPr>
+            <p:cNvSpPr txBox="1"/>
+            <p:nvPr/>
+          </p:nvSpPr>
+          <p:spPr>
+            <a:xfrm>
+              <a:off x="6436643" y="574496"/>
+              <a:ext cx="2105572" cy="707886"/>
+            </a:xfrm>
+            <a:prstGeom prst="rect">
+              <a:avLst/>
+            </a:prstGeom>
+            <a:noFill/>
+          </p:spPr>
+          <p:txBody>
+            <a:bodyPr wrap="square" rtlCol="0">
+              <a:spAutoFit/>
+            </a:bodyPr>
+            <a:lstStyle/>
+            <a:p>
+              <a:pPr algn="ctr"/>
+              <a:r>
+                <a:rPr lang="en" altLang="zh-CN" sz="2000" dirty="0">
+                  <a:latin typeface="Times New Roman" panose="02020603050405020304" pitchFamily="18" charset="0"/>
+                  <a:cs typeface="Times New Roman" panose="02020603050405020304" pitchFamily="18" charset="0"/>
+                </a:rPr>
+                <a:t>Select Pulse</a:t>
+              </a:r>
+              <a:r>
+                <a:rPr lang="zh-CN" altLang="en-US" sz="2000" dirty="0">
+                  <a:latin typeface="Times New Roman" panose="02020603050405020304" pitchFamily="18" charset="0"/>
+                  <a:cs typeface="Times New Roman" panose="02020603050405020304" pitchFamily="18" charset="0"/>
+                </a:rPr>
+                <a:t> </a:t>
+              </a:r>
+              <a:r>
+                <a:rPr lang="en-US" altLang="zh-CN" sz="2000" dirty="0">
+                  <a:latin typeface="Times New Roman" panose="02020603050405020304" pitchFamily="18" charset="0"/>
+                  <a:cs typeface="Times New Roman" panose="02020603050405020304" pitchFamily="18" charset="0"/>
+                </a:rPr>
+                <a:t>Width</a:t>
+              </a:r>
+              <a:r>
+                <a:rPr lang="en" altLang="zh-CN" sz="2000" dirty="0">
+                  <a:latin typeface="Times New Roman" panose="02020603050405020304" pitchFamily="18" charset="0"/>
+                  <a:cs typeface="Times New Roman" panose="02020603050405020304" pitchFamily="18" charset="0"/>
+                </a:rPr>
+                <a:t> Modulation</a:t>
+              </a:r>
+              <a:endParaRPr lang="zh-CN" altLang="en-US" sz="2000" dirty="0">
+                <a:latin typeface="Times New Roman" panose="02020603050405020304" pitchFamily="18" charset="0"/>
+                <a:cs typeface="Times New Roman" panose="02020603050405020304" pitchFamily="18" charset="0"/>
+              </a:endParaRPr>
+            </a:p>
+          </p:txBody>
+        </p:sp>
+        <p:cxnSp>
+          <p:nvCxnSpPr>
+            <p:cNvPr id="65" name="直接连接符 9">
+              <a:extLst>
+                <a:ext uri="{FF2B5EF4-FFF2-40B4-BE49-F238E27FC236}">
+                  <a16:creationId xmlns:a16="http://schemas.microsoft.com/office/drawing/2014/main" id="{38BAC3D4-4831-0D4B-9853-FBF74888C125}"/>
+                </a:ext>
+              </a:extLst>
+            </p:cNvPr>
+            <p:cNvCxnSpPr>
+              <a:cxnSpLocks/>
+              <a:stCxn id="31" idx="0"/>
+            </p:cNvCxnSpPr>
+            <p:nvPr/>
+          </p:nvCxnSpPr>
+          <p:spPr>
+            <a:xfrm flipH="1" flipV="1">
+              <a:off x="7686675" y="1264998"/>
+              <a:ext cx="185738" cy="510144"/>
+            </a:xfrm>
+            <a:prstGeom prst="line">
+              <a:avLst/>
+            </a:prstGeom>
+            <a:ln>
+              <a:solidFill>
+                <a:schemeClr val="tx1"/>
+              </a:solidFill>
+            </a:ln>
+          </p:spPr>
+          <p:style>
+            <a:lnRef idx="1">
+              <a:schemeClr val="accent1"/>
+            </a:lnRef>
+            <a:fillRef idx="0">
+              <a:schemeClr val="accent1"/>
+            </a:fillRef>
+            <a:effectRef idx="0">
+              <a:schemeClr val="accent1"/>
+            </a:effectRef>
+            <a:fontRef idx="minor">
+              <a:schemeClr val="tx1"/>
+            </a:fontRef>
+          </p:style>
+        </p:cxnSp>
+        <p:sp>
+          <p:nvSpPr>
+            <p:cNvPr id="68" name="文本框 67">
+              <a:extLst>
+                <a:ext uri="{FF2B5EF4-FFF2-40B4-BE49-F238E27FC236}">
+                  <a16:creationId xmlns:a16="http://schemas.microsoft.com/office/drawing/2014/main" id="{8996458A-D193-194F-81F0-E7B54189B18D}"/>
+                </a:ext>
+              </a:extLst>
+            </p:cNvPr>
+            <p:cNvSpPr txBox="1"/>
+            <p:nvPr/>
+          </p:nvSpPr>
+          <p:spPr>
+            <a:xfrm>
+              <a:off x="4895948" y="5464491"/>
+              <a:ext cx="2400103" cy="707886"/>
+            </a:xfrm>
+            <a:prstGeom prst="rect">
+              <a:avLst/>
+            </a:prstGeom>
+            <a:noFill/>
+          </p:spPr>
+          <p:txBody>
+            <a:bodyPr wrap="square" rtlCol="0">
+              <a:spAutoFit/>
+            </a:bodyPr>
+            <a:lstStyle/>
+            <a:p>
+              <a:pPr algn="ctr"/>
+              <a:r>
+                <a:rPr lang="en" altLang="zh-CN" sz="2000" dirty="0">
+                  <a:latin typeface="Times New Roman" panose="02020603050405020304" pitchFamily="18" charset="0"/>
+                  <a:cs typeface="Times New Roman" panose="02020603050405020304" pitchFamily="18" charset="0"/>
+                </a:rPr>
+                <a:t>Phase</a:t>
+              </a:r>
+              <a:r>
+                <a:rPr lang="zh-CN" altLang="en-US" sz="2000" dirty="0">
+                  <a:latin typeface="Times New Roman" panose="02020603050405020304" pitchFamily="18" charset="0"/>
+                  <a:cs typeface="Times New Roman" panose="02020603050405020304" pitchFamily="18" charset="0"/>
+                </a:rPr>
+                <a:t> </a:t>
+              </a:r>
+              <a:r>
+                <a:rPr lang="en-US" altLang="zh-CN" sz="2000" dirty="0">
+                  <a:latin typeface="Times New Roman" panose="02020603050405020304" pitchFamily="18" charset="0"/>
+                  <a:cs typeface="Times New Roman" panose="02020603050405020304" pitchFamily="18" charset="0"/>
+                </a:rPr>
+                <a:t>&amp;</a:t>
+              </a:r>
+              <a:r>
+                <a:rPr lang="zh-CN" altLang="en-US" sz="2000" dirty="0">
+                  <a:latin typeface="Times New Roman" panose="02020603050405020304" pitchFamily="18" charset="0"/>
+                  <a:cs typeface="Times New Roman" panose="02020603050405020304" pitchFamily="18" charset="0"/>
+                </a:rPr>
+                <a:t> </a:t>
+              </a:r>
+              <a:r>
+                <a:rPr lang="en" altLang="zh-CN" sz="2000" dirty="0">
+                  <a:latin typeface="Times New Roman" panose="02020603050405020304" pitchFamily="18" charset="0"/>
+                  <a:cs typeface="Times New Roman" panose="02020603050405020304" pitchFamily="18" charset="0"/>
+                </a:rPr>
+                <a:t>Pulse</a:t>
+              </a:r>
+              <a:r>
+                <a:rPr lang="zh-CN" altLang="en-US" sz="2000" dirty="0">
+                  <a:latin typeface="Times New Roman" panose="02020603050405020304" pitchFamily="18" charset="0"/>
+                  <a:cs typeface="Times New Roman" panose="02020603050405020304" pitchFamily="18" charset="0"/>
+                </a:rPr>
+                <a:t> </a:t>
+              </a:r>
+              <a:r>
+                <a:rPr lang="en-US" altLang="zh-CN" sz="2000" dirty="0">
+                  <a:latin typeface="Times New Roman" panose="02020603050405020304" pitchFamily="18" charset="0"/>
+                  <a:cs typeface="Times New Roman" panose="02020603050405020304" pitchFamily="18" charset="0"/>
+                </a:rPr>
+                <a:t>Width</a:t>
+              </a:r>
+              <a:r>
+                <a:rPr lang="en" altLang="zh-CN" sz="2000" dirty="0">
+                  <a:latin typeface="Times New Roman" panose="02020603050405020304" pitchFamily="18" charset="0"/>
+                  <a:cs typeface="Times New Roman" panose="02020603050405020304" pitchFamily="18" charset="0"/>
+                </a:rPr>
+                <a:t> Mode</a:t>
+              </a:r>
+              <a:r>
+                <a:rPr lang="zh-CN" altLang="en-US" sz="2000" dirty="0">
+                  <a:latin typeface="Times New Roman" panose="02020603050405020304" pitchFamily="18" charset="0"/>
+                  <a:cs typeface="Times New Roman" panose="02020603050405020304" pitchFamily="18" charset="0"/>
+                </a:rPr>
+                <a:t> </a:t>
+              </a:r>
+              <a:r>
+                <a:rPr lang="en-US" altLang="zh-CN" sz="2000" dirty="0">
+                  <a:latin typeface="Times New Roman" panose="02020603050405020304" pitchFamily="18" charset="0"/>
+                  <a:cs typeface="Times New Roman" panose="02020603050405020304" pitchFamily="18" charset="0"/>
+                </a:rPr>
+                <a:t>Selection</a:t>
+              </a:r>
+              <a:endParaRPr lang="zh-CN" altLang="en-US" sz="2000" dirty="0">
+                <a:latin typeface="Times New Roman" panose="02020603050405020304" pitchFamily="18" charset="0"/>
+                <a:cs typeface="Times New Roman" panose="02020603050405020304" pitchFamily="18" charset="0"/>
+              </a:endParaRPr>
+            </a:p>
+          </p:txBody>
+        </p:sp>
+        <p:cxnSp>
+          <p:nvCxnSpPr>
+            <p:cNvPr id="70" name="直接连接符 18">
+              <a:extLst>
+                <a:ext uri="{FF2B5EF4-FFF2-40B4-BE49-F238E27FC236}">
+                  <a16:creationId xmlns:a16="http://schemas.microsoft.com/office/drawing/2014/main" id="{38EA00CA-5C12-C84A-8413-073E3EFC71A0}"/>
+                </a:ext>
+              </a:extLst>
+            </p:cNvPr>
+            <p:cNvCxnSpPr>
+              <a:cxnSpLocks/>
+              <a:stCxn id="68" idx="0"/>
+              <a:endCxn id="59" idx="1"/>
+            </p:cNvCxnSpPr>
+            <p:nvPr/>
+          </p:nvCxnSpPr>
+          <p:spPr>
+            <a:xfrm flipV="1">
+              <a:off x="6096000" y="4952681"/>
+              <a:ext cx="1216214" cy="511810"/>
+            </a:xfrm>
+            <a:prstGeom prst="line">
+              <a:avLst/>
+            </a:prstGeom>
+            <a:ln>
+              <a:solidFill>
+                <a:srgbClr val="FF0000"/>
+              </a:solidFill>
+            </a:ln>
+          </p:spPr>
+          <p:style>
+            <a:lnRef idx="1">
+              <a:schemeClr val="accent1"/>
+            </a:lnRef>
+            <a:fillRef idx="0">
+              <a:schemeClr val="accent1"/>
+            </a:fillRef>
+            <a:effectRef idx="0">
+              <a:schemeClr val="accent1"/>
+            </a:effectRef>
+            <a:fontRef idx="minor">
+              <a:schemeClr val="tx1"/>
+            </a:fontRef>
+          </p:style>
+        </p:cxnSp>
+      </p:grpSp>
+    </p:spTree>
+    <p:extLst>
+      <p:ext uri="{BB962C8B-B14F-4D97-AF65-F5344CB8AC3E}">
+        <p14:creationId xmlns:p14="http://schemas.microsoft.com/office/powerpoint/2010/main" val="2009055266"/>
+      </p:ext>
+    </p:extLst>
+  </p:cSld>
+  <p:clrMapOvr>
+    <a:masterClrMapping/>
+  </p:clrMapOvr>
+</p:sld>
+</file>
+
+<file path=ppt/slides/slide4.xml><?xml version="1.0" encoding="utf-8"?>
+<p:sld xmlns:a="http://schemas.openxmlformats.org/drawingml/2006/main" xmlns:r="http://schemas.openxmlformats.org/officeDocument/2006/relationships" xmlns:p="http://schemas.openxmlformats.org/presentationml/2006/main">
+  <p:cSld>
+    <p:spTree>
+      <p:nvGrpSpPr>
+        <p:cNvPr id="1" name=""/>
+        <p:cNvGrpSpPr/>
+        <p:nvPr/>
+      </p:nvGrpSpPr>
+      <p:grpSpPr>
+        <a:xfrm>
+          <a:off x="0" y="0"/>
+          <a:ext cx="0" cy="0"/>
+          <a:chOff x="0" y="0"/>
+          <a:chExt cx="0" cy="0"/>
+        </a:xfrm>
+      </p:grpSpPr>
+      <p:pic>
+        <p:nvPicPr>
+          <p:cNvPr id="5" name="图片 4">
+            <a:extLst>
+              <a:ext uri="{FF2B5EF4-FFF2-40B4-BE49-F238E27FC236}">
+                <a16:creationId xmlns:a16="http://schemas.microsoft.com/office/drawing/2014/main" id="{93D8C414-3AA9-F24A-80DC-044166D026F9}"/>
+              </a:ext>
+            </a:extLst>
+          </p:cNvPr>
+          <p:cNvPicPr>
+            <a:picLocks noChangeAspect="1"/>
+          </p:cNvPicPr>
+          <p:nvPr/>
+        </p:nvPicPr>
+        <p:blipFill>
+          <a:blip r:embed="rId2"/>
+          <a:stretch>
+            <a:fillRect/>
+          </a:stretch>
+        </p:blipFill>
+        <p:spPr>
+          <a:xfrm>
+            <a:off x="2844800" y="2355850"/>
+            <a:ext cx="6502400" cy="2146300"/>
+          </a:xfrm>
+          <a:prstGeom prst="rect">
+            <a:avLst/>
+          </a:prstGeom>
+        </p:spPr>
+      </p:pic>
+    </p:spTree>
+    <p:extLst>
+      <p:ext uri="{BB962C8B-B14F-4D97-AF65-F5344CB8AC3E}">
+        <p14:creationId xmlns:p14="http://schemas.microsoft.com/office/powerpoint/2010/main" val="2073875879"/>
+      </p:ext>
+    </p:extLst>
+  </p:cSld>
+  <p:clrMapOvr>
+    <a:masterClrMapping/>
+  </p:clrMapOvr>
+</p:sld>
+</file>
+
 <file path=ppt/theme/theme1.xml><?xml version="1.0" encoding="utf-8"?>
 <a:theme xmlns:a="http://schemas.openxmlformats.org/drawingml/2006/main" name="Office 主题​​">
   <a:themeElements>
